--- a/RobNewport_ScanMatch_MultiMatch.pptx
+++ b/RobNewport_ScanMatch_MultiMatch.pptx
@@ -22,6 +22,8 @@
     <p:sldId id="267" r:id="rId19"/>
     <p:sldId id="268" r:id="rId20"/>
     <p:sldId id="269" r:id="rId21"/>
+    <p:sldId id="270" r:id="rId22"/>
+    <p:sldId id="271" r:id="rId23"/>
   </p:sldIdLst>
   <p:sldSz cx="24384000" cy="13716000"/>
   <p:notesSz cx="6858000" cy="9144000"/>
@@ -7089,7 +7091,7 @@
       </p:grpSpPr>
       <p:sp>
         <p:nvSpPr>
-          <p:cNvPr id="317" name="Line"/>
+          <p:cNvPr id="318" name="Line"/>
           <p:cNvSpPr/>
           <p:nvPr/>
         </p:nvSpPr>
@@ -7127,7 +7129,7 @@
       </p:sp>
       <p:sp>
         <p:nvSpPr>
-          <p:cNvPr id="318" name="CNS  I  Faculty of Medicine, Health and Human Sciences  I  Department of Clinical Medicine"/>
+          <p:cNvPr id="319" name="CNS  I  Faculty of Medicine, Health and Human Sciences  I  Department of Clinical Medicine"/>
           <p:cNvSpPr txBox="1"/>
           <p:nvPr/>
         </p:nvSpPr>
@@ -7182,7 +7184,7 @@
       </p:sp>
       <p:sp>
         <p:nvSpPr>
-          <p:cNvPr id="319" name="Introduction"/>
+          <p:cNvPr id="320" name="Introduction"/>
           <p:cNvSpPr txBox="1"/>
           <p:nvPr>
             <p:ph type="title"/>
@@ -7210,7 +7212,7 @@
       </p:sp>
       <p:sp>
         <p:nvSpPr>
-          <p:cNvPr id="320" name="Slide Number"/>
+          <p:cNvPr id="321" name="Slide Number"/>
           <p:cNvSpPr txBox="1"/>
           <p:nvPr>
             <p:ph type="sldNum" sz="quarter" idx="2"/>
@@ -7241,7 +7243,7 @@
       </p:sp>
       <p:sp>
         <p:nvSpPr>
-          <p:cNvPr id="321" name="ScanMatch results"/>
+          <p:cNvPr id="322" name="ScanMatch results"/>
           <p:cNvSpPr txBox="1"/>
           <p:nvPr>
             <p:ph type="body" sz="quarter" idx="1"/>
@@ -7265,7 +7267,7 @@
       </p:sp>
       <p:pic>
         <p:nvPicPr>
-          <p:cNvPr id="322" name="Image" descr="Image"/>
+          <p:cNvPr id="323" name="Image" descr="Image"/>
           <p:cNvPicPr>
             <a:picLocks noChangeAspect="1"/>
           </p:cNvPicPr>
@@ -7294,7 +7296,7 @@
       </p:pic>
       <p:pic>
         <p:nvPicPr>
-          <p:cNvPr id="323" name="Screen Shot 2020-11-30 at 4.35.58 PM.png" descr="Screen Shot 2020-11-30 at 4.35.58 PM.png"/>
+          <p:cNvPr id="324" name="Screen Shot 2020-11-30 at 4.35.58 PM.png" descr="Screen Shot 2020-11-30 at 4.35.58 PM.png"/>
           <p:cNvPicPr>
             <a:picLocks noChangeAspect="1"/>
           </p:cNvPicPr>
@@ -7349,7 +7351,7 @@
       </p:grpSpPr>
       <p:sp>
         <p:nvSpPr>
-          <p:cNvPr id="325" name="Line"/>
+          <p:cNvPr id="326" name="Line"/>
           <p:cNvSpPr/>
           <p:nvPr/>
         </p:nvSpPr>
@@ -7387,7 +7389,7 @@
       </p:sp>
       <p:sp>
         <p:nvSpPr>
-          <p:cNvPr id="326" name="CNS  I  Faculty of Medicine, Health and Human Sciences  I  Department of Clinical Medicine"/>
+          <p:cNvPr id="327" name="CNS  I  Faculty of Medicine, Health and Human Sciences  I  Department of Clinical Medicine"/>
           <p:cNvSpPr txBox="1"/>
           <p:nvPr/>
         </p:nvSpPr>
@@ -7442,7 +7444,7 @@
       </p:sp>
       <p:sp>
         <p:nvSpPr>
-          <p:cNvPr id="327" name="Introduction"/>
+          <p:cNvPr id="328" name="Introduction"/>
           <p:cNvSpPr txBox="1"/>
           <p:nvPr>
             <p:ph type="title"/>
@@ -7470,7 +7472,7 @@
       </p:sp>
       <p:sp>
         <p:nvSpPr>
-          <p:cNvPr id="328" name="Slide Number"/>
+          <p:cNvPr id="329" name="Slide Number"/>
           <p:cNvSpPr txBox="1"/>
           <p:nvPr>
             <p:ph type="sldNum" sz="quarter" idx="2"/>
@@ -7501,7 +7503,7 @@
       </p:sp>
       <p:sp>
         <p:nvSpPr>
-          <p:cNvPr id="329" name="Multimatch"/>
+          <p:cNvPr id="330" name="Multimatch"/>
           <p:cNvSpPr txBox="1"/>
           <p:nvPr>
             <p:ph type="body" sz="quarter" idx="1"/>
@@ -7525,7 +7527,7 @@
       </p:sp>
       <p:sp>
         <p:nvSpPr>
-          <p:cNvPr id="330" name="MultiMatch identifies scanpaths that may be similar, but shifted in their locus (left), scale (middle), or saccadic amplitude (right)."/>
+          <p:cNvPr id="331" name="MultiMatch identifies scanpaths that may be similar, but shifted in their locus (left), scale (middle), or saccadic amplitude (right)."/>
           <p:cNvSpPr txBox="1"/>
           <p:nvPr>
             <p:ph type="body" idx="21"/>
@@ -7586,7 +7588,7 @@
       </p:sp>
       <p:pic>
         <p:nvPicPr>
-          <p:cNvPr id="331" name="Image" descr="Image"/>
+          <p:cNvPr id="332" name="Image" descr="Image"/>
           <p:cNvPicPr>
             <a:picLocks noChangeAspect="1"/>
           </p:cNvPicPr>
@@ -7615,7 +7617,7 @@
       </p:pic>
       <p:pic>
         <p:nvPicPr>
-          <p:cNvPr id="332" name="Screen Shot 2020-11-30 at 4.54.00 PM.png" descr="Screen Shot 2020-11-30 at 4.54.00 PM.png"/>
+          <p:cNvPr id="333" name="Screen Shot 2020-11-30 at 4.54.00 PM.png" descr="Screen Shot 2020-11-30 at 4.54.00 PM.png"/>
           <p:cNvPicPr>
             <a:picLocks noChangeAspect="1"/>
           </p:cNvPicPr>
@@ -7670,7 +7672,7 @@
       </p:grpSpPr>
       <p:sp>
         <p:nvSpPr>
-          <p:cNvPr id="334" name="Line"/>
+          <p:cNvPr id="335" name="Line"/>
           <p:cNvSpPr/>
           <p:nvPr/>
         </p:nvSpPr>
@@ -7708,7 +7710,7 @@
       </p:sp>
       <p:sp>
         <p:nvSpPr>
-          <p:cNvPr id="335" name="CNS  I  Faculty of Medicine, Health and Human Sciences  I  Department of Clinical Medicine"/>
+          <p:cNvPr id="336" name="CNS  I  Faculty of Medicine, Health and Human Sciences  I  Department of Clinical Medicine"/>
           <p:cNvSpPr txBox="1"/>
           <p:nvPr/>
         </p:nvSpPr>
@@ -7762,7 +7764,7 @@
       </p:sp>
       <p:sp>
         <p:nvSpPr>
-          <p:cNvPr id="336" name="Strategy"/>
+          <p:cNvPr id="337" name="Strategy"/>
           <p:cNvSpPr txBox="1"/>
           <p:nvPr>
             <p:ph type="title"/>
@@ -7790,7 +7792,7 @@
       </p:sp>
       <p:sp>
         <p:nvSpPr>
-          <p:cNvPr id="337" name="Multimatch Dimensions"/>
+          <p:cNvPr id="338" name="Multimatch Clustering"/>
           <p:cNvSpPr txBox="1"/>
           <p:nvPr>
             <p:ph type="body" sz="quarter" idx="1"/>
@@ -7807,14 +7809,14 @@
           <a:p>
             <a:pPr/>
             <a:r>
-              <a:t>Multimatch Dimensions</a:t>
-            </a:r>
-          </a:p>
-        </p:txBody>
-      </p:sp>
-      <p:sp>
-        <p:nvSpPr>
-          <p:cNvPr id="338" name="Slide Number"/>
+              <a:t>Multimatch Clustering</a:t>
+            </a:r>
+          </a:p>
+        </p:txBody>
+      </p:sp>
+      <p:sp>
+        <p:nvSpPr>
+          <p:cNvPr id="339" name="Slide Number"/>
           <p:cNvSpPr txBox="1"/>
           <p:nvPr>
             <p:ph type="sldNum" sz="quarter" idx="2"/>
@@ -7845,7 +7847,7 @@
       </p:sp>
       <p:pic>
         <p:nvPicPr>
-          <p:cNvPr id="339" name="Image" descr="Image"/>
+          <p:cNvPr id="340" name="Image" descr="Image"/>
           <p:cNvPicPr>
             <a:picLocks noChangeAspect="1"/>
           </p:cNvPicPr>
@@ -7874,14 +7876,14 @@
       </p:pic>
       <p:sp>
         <p:nvSpPr>
-          <p:cNvPr id="340" name="Shape: The vector difference between aligned pairs.…"/>
+          <p:cNvPr id="341" name="Amplitude-based (dashed circles) and direction-based (dashed arrow) clustering used for dimensionality reduction."/>
           <p:cNvSpPr txBox="1"/>
           <p:nvPr/>
         </p:nvSpPr>
         <p:spPr>
           <a:xfrm>
-            <a:off x="4080440" y="3049236"/>
-            <a:ext cx="19427454" cy="9493573"/>
+            <a:off x="1236834" y="3049236"/>
+            <a:ext cx="22271060" cy="2705065"/>
           </a:xfrm>
           <a:prstGeom prst="rect">
             <a:avLst/>
@@ -7897,9 +7899,8 @@
         </p:spPr>
         <p:txBody>
           <a:bodyPr lIns="135466" tIns="135466" rIns="135466" bIns="135466" anchor="ctr"/>
-          <a:lstStyle/>
-          <a:p>
-            <a:pPr algn="l" defTabSz="1219200">
+          <a:lstStyle>
+            <a:lvl1pPr algn="l" defTabSz="1219200">
               <a:lnSpc>
                 <a:spcPct val="120000"/>
               </a:lnSpc>
@@ -7917,196 +7918,19 @@
                 <a:cs typeface="Georgia"/>
                 <a:sym typeface="Georgia"/>
               </a:defRPr>
-            </a:pPr>
-            <a:r>
-              <a:t>Shape: The vector difference between aligned pairs.</a:t>
-            </a:r>
-          </a:p>
-          <a:p>
-            <a:pPr algn="l" defTabSz="1219200">
-              <a:lnSpc>
-                <a:spcPct val="120000"/>
-              </a:lnSpc>
-              <a:defRPr sz="4800">
-                <a:solidFill>
-                  <a:srgbClr val="000000"/>
-                </a:solidFill>
-                <a:uFill>
-                  <a:solidFill>
-                    <a:srgbClr val="000000"/>
-                  </a:solidFill>
-                </a:uFill>
-                <a:latin typeface="Georgia"/>
-                <a:ea typeface="Georgia"/>
-                <a:cs typeface="Georgia"/>
-                <a:sym typeface="Georgia"/>
-              </a:defRPr>
-            </a:pPr>
-          </a:p>
-          <a:p>
-            <a:pPr algn="l" defTabSz="1219200">
-              <a:lnSpc>
-                <a:spcPct val="120000"/>
-              </a:lnSpc>
-              <a:defRPr sz="4800">
-                <a:solidFill>
-                  <a:srgbClr val="000000"/>
-                </a:solidFill>
-                <a:uFill>
-                  <a:solidFill>
-                    <a:srgbClr val="000000"/>
-                  </a:solidFill>
-                </a:uFill>
-                <a:latin typeface="Georgia"/>
-                <a:ea typeface="Georgia"/>
-                <a:cs typeface="Georgia"/>
-                <a:sym typeface="Georgia"/>
-              </a:defRPr>
-            </a:pPr>
-            <a:r>
-              <a:t>Length: The difference in length between endpoints of aligned pairs.</a:t>
-            </a:r>
-          </a:p>
-          <a:p>
-            <a:pPr algn="l" defTabSz="1219200">
-              <a:lnSpc>
-                <a:spcPct val="120000"/>
-              </a:lnSpc>
-              <a:defRPr sz="4800">
-                <a:solidFill>
-                  <a:srgbClr val="000000"/>
-                </a:solidFill>
-                <a:uFill>
-                  <a:solidFill>
-                    <a:srgbClr val="000000"/>
-                  </a:solidFill>
-                </a:uFill>
-                <a:latin typeface="Georgia"/>
-                <a:ea typeface="Georgia"/>
-                <a:cs typeface="Georgia"/>
-                <a:sym typeface="Georgia"/>
-              </a:defRPr>
-            </a:pPr>
-          </a:p>
-          <a:p>
-            <a:pPr algn="l" defTabSz="1219200">
-              <a:lnSpc>
-                <a:spcPct val="120000"/>
-              </a:lnSpc>
-              <a:defRPr sz="4800">
-                <a:solidFill>
-                  <a:srgbClr val="000000"/>
-                </a:solidFill>
-                <a:uFill>
-                  <a:solidFill>
-                    <a:srgbClr val="000000"/>
-                  </a:solidFill>
-                </a:uFill>
-                <a:latin typeface="Georgia"/>
-                <a:ea typeface="Georgia"/>
-                <a:cs typeface="Georgia"/>
-                <a:sym typeface="Georgia"/>
-              </a:defRPr>
-            </a:pPr>
-            <a:r>
-              <a:t>Direction: The angular difference between aligned pairs.</a:t>
-            </a:r>
-          </a:p>
-          <a:p>
-            <a:pPr algn="l" defTabSz="1219200">
-              <a:lnSpc>
-                <a:spcPct val="120000"/>
-              </a:lnSpc>
-              <a:defRPr sz="4800">
-                <a:solidFill>
-                  <a:srgbClr val="000000"/>
-                </a:solidFill>
-                <a:uFill>
-                  <a:solidFill>
-                    <a:srgbClr val="000000"/>
-                  </a:solidFill>
-                </a:uFill>
-                <a:latin typeface="Georgia"/>
-                <a:ea typeface="Georgia"/>
-                <a:cs typeface="Georgia"/>
-                <a:sym typeface="Georgia"/>
-              </a:defRPr>
-            </a:pPr>
-          </a:p>
-          <a:p>
-            <a:pPr algn="l" defTabSz="1219200">
-              <a:lnSpc>
-                <a:spcPct val="120000"/>
-              </a:lnSpc>
-              <a:defRPr sz="4800">
-                <a:solidFill>
-                  <a:srgbClr val="000000"/>
-                </a:solidFill>
-                <a:uFill>
-                  <a:solidFill>
-                    <a:srgbClr val="000000"/>
-                  </a:solidFill>
-                </a:uFill>
-                <a:latin typeface="Georgia"/>
-                <a:ea typeface="Georgia"/>
-                <a:cs typeface="Georgia"/>
-                <a:sym typeface="Georgia"/>
-              </a:defRPr>
-            </a:pPr>
-            <a:r>
-              <a:t>Position: The Euclidean difference in position between aligned pairs.</a:t>
-            </a:r>
-          </a:p>
-          <a:p>
-            <a:pPr algn="l" defTabSz="1219200">
-              <a:lnSpc>
-                <a:spcPct val="120000"/>
-              </a:lnSpc>
-              <a:defRPr sz="4800">
-                <a:solidFill>
-                  <a:srgbClr val="000000"/>
-                </a:solidFill>
-                <a:uFill>
-                  <a:solidFill>
-                    <a:srgbClr val="000000"/>
-                  </a:solidFill>
-                </a:uFill>
-                <a:latin typeface="Georgia"/>
-                <a:ea typeface="Georgia"/>
-                <a:cs typeface="Georgia"/>
-                <a:sym typeface="Georgia"/>
-              </a:defRPr>
-            </a:pPr>
-          </a:p>
-          <a:p>
-            <a:pPr algn="l" defTabSz="1219200">
-              <a:lnSpc>
-                <a:spcPct val="120000"/>
-              </a:lnSpc>
-              <a:defRPr sz="4800">
-                <a:solidFill>
-                  <a:srgbClr val="000000"/>
-                </a:solidFill>
-                <a:uFill>
-                  <a:solidFill>
-                    <a:srgbClr val="000000"/>
-                  </a:solidFill>
-                </a:uFill>
-                <a:latin typeface="Georgia"/>
-                <a:ea typeface="Georgia"/>
-                <a:cs typeface="Georgia"/>
-                <a:sym typeface="Georgia"/>
-              </a:defRPr>
-            </a:pPr>
-            <a:r>
-              <a:t>Duration: The difference in duration of time spent on aligned pairs.</a:t>
+            </a:lvl1pPr>
+          </a:lstStyle>
+          <a:p>
+            <a:pPr/>
+            <a:r>
+              <a:t>Amplitude-based (dashed circles) and direction-based (dashed arrow) clustering used for dimensionality reduction. </a:t>
             </a:r>
           </a:p>
         </p:txBody>
       </p:sp>
       <p:pic>
         <p:nvPicPr>
-          <p:cNvPr id="341" name="Screen Shot 2020-11-30 at 5.07.24 PM.png" descr="Screen Shot 2020-11-30 at 5.07.24 PM.png"/>
+          <p:cNvPr id="342" name="Screen Shot 2020-12-01 at 11.47.46 AM.png" descr="Screen Shot 2020-12-01 at 11.47.46 AM.png"/>
           <p:cNvPicPr>
             <a:picLocks noChangeAspect="1"/>
           </p:cNvPicPr>
@@ -8122,124 +7946,8 @@
         </p:blipFill>
         <p:spPr>
           <a:xfrm>
-            <a:off x="1480760" y="3649707"/>
-            <a:ext cx="1854201" cy="1651001"/>
-          </a:xfrm>
-          <a:prstGeom prst="rect">
-            <a:avLst/>
-          </a:prstGeom>
-          <a:ln w="12700">
-            <a:miter lim="400000"/>
-          </a:ln>
-        </p:spPr>
-      </p:pic>
-      <p:pic>
-        <p:nvPicPr>
-          <p:cNvPr id="342" name="Screen Shot 2020-11-30 at 5.07.28 PM.png" descr="Screen Shot 2020-11-30 at 5.07.28 PM.png"/>
-          <p:cNvPicPr>
-            <a:picLocks noChangeAspect="1"/>
-          </p:cNvPicPr>
-          <p:nvPr/>
-        </p:nvPicPr>
-        <p:blipFill>
-          <a:blip r:embed="rId4">
-            <a:extLst/>
-          </a:blip>
-          <a:stretch>
-            <a:fillRect/>
-          </a:stretch>
-        </p:blipFill>
-        <p:spPr>
-          <a:xfrm>
-            <a:off x="1791376" y="5822241"/>
-            <a:ext cx="1409701" cy="774701"/>
-          </a:xfrm>
-          <a:prstGeom prst="rect">
-            <a:avLst/>
-          </a:prstGeom>
-          <a:ln w="12700">
-            <a:miter lim="400000"/>
-          </a:ln>
-        </p:spPr>
-      </p:pic>
-      <p:pic>
-        <p:nvPicPr>
-          <p:cNvPr id="343" name="Screen Shot 2020-11-30 at 5.07.34 PM.png" descr="Screen Shot 2020-11-30 at 5.07.34 PM.png"/>
-          <p:cNvPicPr>
-            <a:picLocks noChangeAspect="1"/>
-          </p:cNvPicPr>
-          <p:nvPr/>
-        </p:nvPicPr>
-        <p:blipFill>
-          <a:blip r:embed="rId5">
-            <a:extLst/>
-          </a:blip>
-          <a:stretch>
-            <a:fillRect/>
-          </a:stretch>
-        </p:blipFill>
-        <p:spPr>
-          <a:xfrm>
-            <a:off x="1651676" y="6894322"/>
-            <a:ext cx="1689101" cy="1803401"/>
-          </a:xfrm>
-          <a:prstGeom prst="rect">
-            <a:avLst/>
-          </a:prstGeom>
-          <a:ln w="12700">
-            <a:miter lim="400000"/>
-          </a:ln>
-        </p:spPr>
-      </p:pic>
-      <p:pic>
-        <p:nvPicPr>
-          <p:cNvPr id="344" name="Screen Shot 2020-11-30 at 5.07.37 PM.png" descr="Screen Shot 2020-11-30 at 5.07.37 PM.png"/>
-          <p:cNvPicPr>
-            <a:picLocks noChangeAspect="1"/>
-          </p:cNvPicPr>
-          <p:nvPr/>
-        </p:nvPicPr>
-        <p:blipFill>
-          <a:blip r:embed="rId6">
-            <a:extLst/>
-          </a:blip>
-          <a:stretch>
-            <a:fillRect/>
-          </a:stretch>
-        </p:blipFill>
-        <p:spPr>
-          <a:xfrm>
-            <a:off x="1696992" y="9227225"/>
-            <a:ext cx="1752601" cy="698501"/>
-          </a:xfrm>
-          <a:prstGeom prst="rect">
-            <a:avLst/>
-          </a:prstGeom>
-          <a:ln w="12700">
-            <a:miter lim="400000"/>
-          </a:ln>
-        </p:spPr>
-      </p:pic>
-      <p:pic>
-        <p:nvPicPr>
-          <p:cNvPr id="345" name="Screen Shot 2020-11-30 at 5.07.40 PM.png" descr="Screen Shot 2020-11-30 at 5.07.40 PM.png"/>
-          <p:cNvPicPr>
-            <a:picLocks noChangeAspect="1"/>
-          </p:cNvPicPr>
-          <p:nvPr/>
-        </p:nvPicPr>
-        <p:blipFill>
-          <a:blip r:embed="rId7">
-            <a:extLst/>
-          </a:blip>
-          <a:stretch>
-            <a:fillRect/>
-          </a:stretch>
-        </p:blipFill>
-        <p:spPr>
-          <a:xfrm>
-            <a:off x="1645326" y="10336775"/>
-            <a:ext cx="1701801" cy="1676401"/>
+            <a:off x="4335990" y="5403531"/>
+            <a:ext cx="15190776" cy="6552360"/>
           </a:xfrm>
           <a:prstGeom prst="rect">
             <a:avLst/>
@@ -8277,7 +7985,7 @@
       </p:grpSpPr>
       <p:sp>
         <p:nvSpPr>
-          <p:cNvPr id="347" name="Line"/>
+          <p:cNvPr id="344" name="Line"/>
           <p:cNvSpPr/>
           <p:nvPr/>
         </p:nvSpPr>
@@ -8315,7 +8023,7 @@
       </p:sp>
       <p:sp>
         <p:nvSpPr>
-          <p:cNvPr id="348" name="CNS  I  Faculty of Medicine, Health and Human Sciences  I  Department of Clinical Medicine"/>
+          <p:cNvPr id="345" name="CNS  I  Faculty of Medicine, Health and Human Sciences  I  Department of Clinical Medicine"/>
           <p:cNvSpPr txBox="1"/>
           <p:nvPr/>
         </p:nvSpPr>
@@ -8369,7 +8077,7 @@
       </p:sp>
       <p:sp>
         <p:nvSpPr>
-          <p:cNvPr id="349" name="Strategy"/>
+          <p:cNvPr id="346" name="Strategy"/>
           <p:cNvSpPr txBox="1"/>
           <p:nvPr>
             <p:ph type="title"/>
@@ -8397,7 +8105,7 @@
       </p:sp>
       <p:sp>
         <p:nvSpPr>
-          <p:cNvPr id="350" name="Multimatch heatmaps"/>
+          <p:cNvPr id="347" name="Multimatch Dimensions"/>
           <p:cNvSpPr txBox="1"/>
           <p:nvPr>
             <p:ph type="body" sz="quarter" idx="1"/>
@@ -8414,14 +8122,14 @@
           <a:p>
             <a:pPr/>
             <a:r>
-              <a:t>Multimatch heatmaps</a:t>
-            </a:r>
-          </a:p>
-        </p:txBody>
-      </p:sp>
-      <p:sp>
-        <p:nvSpPr>
-          <p:cNvPr id="351" name="Slide Number"/>
+              <a:t>Multimatch Dimensions</a:t>
+            </a:r>
+          </a:p>
+        </p:txBody>
+      </p:sp>
+      <p:sp>
+        <p:nvSpPr>
+          <p:cNvPr id="348" name="Slide Number"/>
           <p:cNvSpPr txBox="1"/>
           <p:nvPr>
             <p:ph type="sldNum" sz="quarter" idx="2"/>
@@ -8452,7 +8160,7 @@
       </p:sp>
       <p:pic>
         <p:nvPicPr>
-          <p:cNvPr id="352" name="Image" descr="Image"/>
+          <p:cNvPr id="349" name="Image" descr="Image"/>
           <p:cNvPicPr>
             <a:picLocks noChangeAspect="1"/>
           </p:cNvPicPr>
@@ -8481,14 +8189,14 @@
       </p:pic>
       <p:sp>
         <p:nvSpPr>
-          <p:cNvPr id="353" name="Rectangle"/>
+          <p:cNvPr id="350" name="Shape: The vector difference between aligned pairs.…"/>
           <p:cNvSpPr txBox="1"/>
           <p:nvPr/>
         </p:nvSpPr>
         <p:spPr>
           <a:xfrm>
-            <a:off x="1236313" y="3049236"/>
-            <a:ext cx="22271581" cy="9493573"/>
+            <a:off x="4080440" y="3049236"/>
+            <a:ext cx="19427454" cy="9493573"/>
           </a:xfrm>
           <a:prstGeom prst="rect">
             <a:avLst/>
@@ -8496,6 +8204,11 @@
           <a:ln w="12700">
             <a:miter lim="400000"/>
           </a:ln>
+          <a:extLst>
+            <a:ext uri="{C572A759-6A51-4108-AA02-DFA0A04FC94B}">
+              <ma14:wrappingTextBoxFlag xmlns:ma14="http://schemas.microsoft.com/office/mac/drawingml/2011/main" val="1"/>
+            </a:ext>
+          </a:extLst>
         </p:spPr>
         <p:txBody>
           <a:bodyPr lIns="135466" tIns="135466" rIns="135466" bIns="135466" anchor="ctr"/>
@@ -8520,12 +8233,195 @@
                 <a:sym typeface="Georgia"/>
               </a:defRPr>
             </a:pPr>
+            <a:r>
+              <a:t>Shape: The vector difference between aligned pairs.</a:t>
+            </a:r>
+          </a:p>
+          <a:p>
+            <a:pPr algn="l" defTabSz="1219200">
+              <a:lnSpc>
+                <a:spcPct val="120000"/>
+              </a:lnSpc>
+              <a:defRPr sz="4800">
+                <a:solidFill>
+                  <a:srgbClr val="000000"/>
+                </a:solidFill>
+                <a:uFill>
+                  <a:solidFill>
+                    <a:srgbClr val="000000"/>
+                  </a:solidFill>
+                </a:uFill>
+                <a:latin typeface="Georgia"/>
+                <a:ea typeface="Georgia"/>
+                <a:cs typeface="Georgia"/>
+                <a:sym typeface="Georgia"/>
+              </a:defRPr>
+            </a:pPr>
+          </a:p>
+          <a:p>
+            <a:pPr algn="l" defTabSz="1219200">
+              <a:lnSpc>
+                <a:spcPct val="120000"/>
+              </a:lnSpc>
+              <a:defRPr sz="4800">
+                <a:solidFill>
+                  <a:srgbClr val="000000"/>
+                </a:solidFill>
+                <a:uFill>
+                  <a:solidFill>
+                    <a:srgbClr val="000000"/>
+                  </a:solidFill>
+                </a:uFill>
+                <a:latin typeface="Georgia"/>
+                <a:ea typeface="Georgia"/>
+                <a:cs typeface="Georgia"/>
+                <a:sym typeface="Georgia"/>
+              </a:defRPr>
+            </a:pPr>
+            <a:r>
+              <a:t>Length: The difference in length between endpoints of aligned pairs.</a:t>
+            </a:r>
+          </a:p>
+          <a:p>
+            <a:pPr algn="l" defTabSz="1219200">
+              <a:lnSpc>
+                <a:spcPct val="120000"/>
+              </a:lnSpc>
+              <a:defRPr sz="4800">
+                <a:solidFill>
+                  <a:srgbClr val="000000"/>
+                </a:solidFill>
+                <a:uFill>
+                  <a:solidFill>
+                    <a:srgbClr val="000000"/>
+                  </a:solidFill>
+                </a:uFill>
+                <a:latin typeface="Georgia"/>
+                <a:ea typeface="Georgia"/>
+                <a:cs typeface="Georgia"/>
+                <a:sym typeface="Georgia"/>
+              </a:defRPr>
+            </a:pPr>
+          </a:p>
+          <a:p>
+            <a:pPr algn="l" defTabSz="1219200">
+              <a:lnSpc>
+                <a:spcPct val="120000"/>
+              </a:lnSpc>
+              <a:defRPr sz="4800">
+                <a:solidFill>
+                  <a:srgbClr val="000000"/>
+                </a:solidFill>
+                <a:uFill>
+                  <a:solidFill>
+                    <a:srgbClr val="000000"/>
+                  </a:solidFill>
+                </a:uFill>
+                <a:latin typeface="Georgia"/>
+                <a:ea typeface="Georgia"/>
+                <a:cs typeface="Georgia"/>
+                <a:sym typeface="Georgia"/>
+              </a:defRPr>
+            </a:pPr>
+            <a:r>
+              <a:t>Direction: The angular difference between aligned pairs.</a:t>
+            </a:r>
+          </a:p>
+          <a:p>
+            <a:pPr algn="l" defTabSz="1219200">
+              <a:lnSpc>
+                <a:spcPct val="120000"/>
+              </a:lnSpc>
+              <a:defRPr sz="4800">
+                <a:solidFill>
+                  <a:srgbClr val="000000"/>
+                </a:solidFill>
+                <a:uFill>
+                  <a:solidFill>
+                    <a:srgbClr val="000000"/>
+                  </a:solidFill>
+                </a:uFill>
+                <a:latin typeface="Georgia"/>
+                <a:ea typeface="Georgia"/>
+                <a:cs typeface="Georgia"/>
+                <a:sym typeface="Georgia"/>
+              </a:defRPr>
+            </a:pPr>
+          </a:p>
+          <a:p>
+            <a:pPr algn="l" defTabSz="1219200">
+              <a:lnSpc>
+                <a:spcPct val="120000"/>
+              </a:lnSpc>
+              <a:defRPr sz="4800">
+                <a:solidFill>
+                  <a:srgbClr val="000000"/>
+                </a:solidFill>
+                <a:uFill>
+                  <a:solidFill>
+                    <a:srgbClr val="000000"/>
+                  </a:solidFill>
+                </a:uFill>
+                <a:latin typeface="Georgia"/>
+                <a:ea typeface="Georgia"/>
+                <a:cs typeface="Georgia"/>
+                <a:sym typeface="Georgia"/>
+              </a:defRPr>
+            </a:pPr>
+            <a:r>
+              <a:t>Position: The Euclidean difference in position between aligned pairs.</a:t>
+            </a:r>
+          </a:p>
+          <a:p>
+            <a:pPr algn="l" defTabSz="1219200">
+              <a:lnSpc>
+                <a:spcPct val="120000"/>
+              </a:lnSpc>
+              <a:defRPr sz="4800">
+                <a:solidFill>
+                  <a:srgbClr val="000000"/>
+                </a:solidFill>
+                <a:uFill>
+                  <a:solidFill>
+                    <a:srgbClr val="000000"/>
+                  </a:solidFill>
+                </a:uFill>
+                <a:latin typeface="Georgia"/>
+                <a:ea typeface="Georgia"/>
+                <a:cs typeface="Georgia"/>
+                <a:sym typeface="Georgia"/>
+              </a:defRPr>
+            </a:pPr>
+          </a:p>
+          <a:p>
+            <a:pPr algn="l" defTabSz="1219200">
+              <a:lnSpc>
+                <a:spcPct val="120000"/>
+              </a:lnSpc>
+              <a:defRPr sz="4800">
+                <a:solidFill>
+                  <a:srgbClr val="000000"/>
+                </a:solidFill>
+                <a:uFill>
+                  <a:solidFill>
+                    <a:srgbClr val="000000"/>
+                  </a:solidFill>
+                </a:uFill>
+                <a:latin typeface="Georgia"/>
+                <a:ea typeface="Georgia"/>
+                <a:cs typeface="Georgia"/>
+                <a:sym typeface="Georgia"/>
+              </a:defRPr>
+            </a:pPr>
+            <a:r>
+              <a:t>Duration: The difference in duration of time spent on aligned pairs.</a:t>
+            </a:r>
           </a:p>
         </p:txBody>
       </p:sp>
       <p:pic>
         <p:nvPicPr>
-          <p:cNvPr id="354" name="MultiMatch_Direction.jpg" descr="MultiMatch_Direction.jpg"/>
+          <p:cNvPr id="351" name="Screen Shot 2020-11-30 at 5.07.24 PM.png" descr="Screen Shot 2020-11-30 at 5.07.24 PM.png"/>
           <p:cNvPicPr>
             <a:picLocks noChangeAspect="1"/>
           </p:cNvPicPr>
@@ -8541,8 +8437,8 @@
         </p:blipFill>
         <p:spPr>
           <a:xfrm>
-            <a:off x="1765477" y="5573190"/>
-            <a:ext cx="6682055" cy="4612992"/>
+            <a:off x="1480760" y="3649707"/>
+            <a:ext cx="1854201" cy="1651001"/>
           </a:xfrm>
           <a:prstGeom prst="rect">
             <a:avLst/>
@@ -8554,7 +8450,7 @@
       </p:pic>
       <p:pic>
         <p:nvPicPr>
-          <p:cNvPr id="355" name="MultiMatch_Duration.jpg" descr="MultiMatch_Duration.jpg"/>
+          <p:cNvPr id="352" name="Screen Shot 2020-11-30 at 5.07.28 PM.png" descr="Screen Shot 2020-11-30 at 5.07.28 PM.png"/>
           <p:cNvPicPr>
             <a:picLocks noChangeAspect="1"/>
           </p:cNvPicPr>
@@ -8570,8 +8466,8 @@
         </p:blipFill>
         <p:spPr>
           <a:xfrm>
-            <a:off x="8446999" y="5574679"/>
-            <a:ext cx="6682054" cy="4612992"/>
+            <a:off x="1791376" y="5822241"/>
+            <a:ext cx="1409701" cy="774701"/>
           </a:xfrm>
           <a:prstGeom prst="rect">
             <a:avLst/>
@@ -8583,7 +8479,7 @@
       </p:pic>
       <p:pic>
         <p:nvPicPr>
-          <p:cNvPr id="356" name="MultiMatch_Length.jpg" descr="MultiMatch_Length.jpg"/>
+          <p:cNvPr id="353" name="Screen Shot 2020-11-30 at 5.07.34 PM.png" descr="Screen Shot 2020-11-30 at 5.07.34 PM.png"/>
           <p:cNvPicPr>
             <a:picLocks noChangeAspect="1"/>
           </p:cNvPicPr>
@@ -8599,8 +8495,8 @@
         </p:blipFill>
         <p:spPr>
           <a:xfrm>
-            <a:off x="15405639" y="5576537"/>
-            <a:ext cx="6682054" cy="4612992"/>
+            <a:off x="1651676" y="6894322"/>
+            <a:ext cx="1689101" cy="1803401"/>
           </a:xfrm>
           <a:prstGeom prst="rect">
             <a:avLst/>
@@ -8610,16 +8506,26 @@
           </a:ln>
         </p:spPr>
       </p:pic>
-      <p:sp>
-        <p:nvSpPr>
-          <p:cNvPr id="357" name="Direction"/>
-          <p:cNvSpPr txBox="1"/>
+      <p:pic>
+        <p:nvPicPr>
+          <p:cNvPr id="354" name="Screen Shot 2020-11-30 at 5.07.37 PM.png" descr="Screen Shot 2020-11-30 at 5.07.37 PM.png"/>
+          <p:cNvPicPr>
+            <a:picLocks noChangeAspect="1"/>
+          </p:cNvPicPr>
           <p:nvPr/>
-        </p:nvSpPr>
-        <p:spPr>
-          <a:xfrm>
-            <a:off x="4326845" y="4624599"/>
-            <a:ext cx="1884300" cy="609855"/>
+        </p:nvPicPr>
+        <p:blipFill>
+          <a:blip r:embed="rId6">
+            <a:extLst/>
+          </a:blip>
+          <a:stretch>
+            <a:fillRect/>
+          </a:stretch>
+        </p:blipFill>
+        <p:spPr>
+          <a:xfrm>
+            <a:off x="1696992" y="9227225"/>
+            <a:ext cx="1752601" cy="698501"/>
           </a:xfrm>
           <a:prstGeom prst="rect">
             <a:avLst/>
@@ -8627,39 +8533,28 @@
           <a:ln w="12700">
             <a:miter lim="400000"/>
           </a:ln>
-          <a:extLst>
-            <a:ext uri="{C572A759-6A51-4108-AA02-DFA0A04FC94B}">
-              <ma14:wrappingTextBoxFlag xmlns:ma14="http://schemas.microsoft.com/office/mac/drawingml/2011/main" val="1"/>
-            </a:ext>
-          </a:extLst>
-        </p:spPr>
-        <p:txBody>
-          <a:bodyPr wrap="none" lIns="50800" tIns="50800" rIns="50800" bIns="50800" anchor="ctr">
-            <a:spAutoFit/>
-          </a:bodyPr>
-          <a:lstStyle>
-            <a:lvl1pPr>
-              <a:defRPr sz="3500"/>
-            </a:lvl1pPr>
-          </a:lstStyle>
-          <a:p>
-            <a:pPr/>
-            <a:r>
-              <a:t>Direction</a:t>
-            </a:r>
-          </a:p>
-        </p:txBody>
-      </p:sp>
-      <p:sp>
-        <p:nvSpPr>
-          <p:cNvPr id="358" name="Duration"/>
-          <p:cNvSpPr txBox="1"/>
+        </p:spPr>
+      </p:pic>
+      <p:pic>
+        <p:nvPicPr>
+          <p:cNvPr id="355" name="Screen Shot 2020-11-30 at 5.07.40 PM.png" descr="Screen Shot 2020-11-30 at 5.07.40 PM.png"/>
+          <p:cNvPicPr>
+            <a:picLocks noChangeAspect="1"/>
+          </p:cNvPicPr>
           <p:nvPr/>
-        </p:nvSpPr>
-        <p:spPr>
-          <a:xfrm>
-            <a:off x="10886992" y="4624599"/>
-            <a:ext cx="1802068" cy="609855"/>
+        </p:nvPicPr>
+        <p:blipFill>
+          <a:blip r:embed="rId7">
+            <a:extLst/>
+          </a:blip>
+          <a:stretch>
+            <a:fillRect/>
+          </a:stretch>
+        </p:blipFill>
+        <p:spPr>
+          <a:xfrm>
+            <a:off x="1645326" y="10336775"/>
+            <a:ext cx="1701801" cy="1676401"/>
           </a:xfrm>
           <a:prstGeom prst="rect">
             <a:avLst/>
@@ -8667,69 +8562,8 @@
           <a:ln w="12700">
             <a:miter lim="400000"/>
           </a:ln>
-          <a:extLst>
-            <a:ext uri="{C572A759-6A51-4108-AA02-DFA0A04FC94B}">
-              <ma14:wrappingTextBoxFlag xmlns:ma14="http://schemas.microsoft.com/office/mac/drawingml/2011/main" val="1"/>
-            </a:ext>
-          </a:extLst>
-        </p:spPr>
-        <p:txBody>
-          <a:bodyPr wrap="none" lIns="50800" tIns="50800" rIns="50800" bIns="50800" anchor="ctr">
-            <a:spAutoFit/>
-          </a:bodyPr>
-          <a:lstStyle>
-            <a:lvl1pPr>
-              <a:defRPr sz="3500"/>
-            </a:lvl1pPr>
-          </a:lstStyle>
-          <a:p>
-            <a:pPr/>
-            <a:r>
-              <a:t>Duration</a:t>
-            </a:r>
-          </a:p>
-        </p:txBody>
-      </p:sp>
-      <p:sp>
-        <p:nvSpPr>
-          <p:cNvPr id="359" name="Length"/>
-          <p:cNvSpPr txBox="1"/>
-          <p:nvPr/>
-        </p:nvSpPr>
-        <p:spPr>
-          <a:xfrm>
-            <a:off x="18001875" y="4624599"/>
-            <a:ext cx="1489584" cy="609855"/>
-          </a:xfrm>
-          <a:prstGeom prst="rect">
-            <a:avLst/>
-          </a:prstGeom>
-          <a:ln w="12700">
-            <a:miter lim="400000"/>
-          </a:ln>
-          <a:extLst>
-            <a:ext uri="{C572A759-6A51-4108-AA02-DFA0A04FC94B}">
-              <ma14:wrappingTextBoxFlag xmlns:ma14="http://schemas.microsoft.com/office/mac/drawingml/2011/main" val="1"/>
-            </a:ext>
-          </a:extLst>
-        </p:spPr>
-        <p:txBody>
-          <a:bodyPr wrap="none" lIns="50800" tIns="50800" rIns="50800" bIns="50800" anchor="ctr">
-            <a:spAutoFit/>
-          </a:bodyPr>
-          <a:lstStyle>
-            <a:lvl1pPr>
-              <a:defRPr sz="3500"/>
-            </a:lvl1pPr>
-          </a:lstStyle>
-          <a:p>
-            <a:pPr/>
-            <a:r>
-              <a:t>Length</a:t>
-            </a:r>
-          </a:p>
-        </p:txBody>
-      </p:sp>
+        </p:spPr>
+      </p:pic>
     </p:spTree>
   </p:cSld>
   <p:clrMapOvr>
@@ -8758,7 +8592,7 @@
       </p:grpSpPr>
       <p:sp>
         <p:nvSpPr>
-          <p:cNvPr id="361" name="Line"/>
+          <p:cNvPr id="357" name="Line"/>
           <p:cNvSpPr/>
           <p:nvPr/>
         </p:nvSpPr>
@@ -8794,43 +8628,16 @@
           </a:p>
         </p:txBody>
       </p:sp>
-      <p:pic>
-        <p:nvPicPr>
-          <p:cNvPr id="362" name="image1.png" descr="image1.png"/>
-          <p:cNvPicPr>
-            <a:picLocks noChangeAspect="1"/>
-          </p:cNvPicPr>
+      <p:sp>
+        <p:nvSpPr>
+          <p:cNvPr id="358" name="CNS  I  Faculty of Medicine, Health and Human Sciences  I  Department of Clinical Medicine"/>
+          <p:cNvSpPr txBox="1"/>
           <p:nvPr/>
-        </p:nvPicPr>
-        <p:blipFill>
-          <a:blip r:embed="rId2">
-            <a:extLst/>
-          </a:blip>
-          <a:stretch>
-            <a:fillRect/>
-          </a:stretch>
-        </p:blipFill>
-        <p:spPr>
-          <a:xfrm>
-            <a:off x="18844379" y="789690"/>
-            <a:ext cx="4255783" cy="1274574"/>
-          </a:xfrm>
-          <a:prstGeom prst="rect">
-            <a:avLst/>
-          </a:prstGeom>
-          <a:ln w="12700"/>
-        </p:spPr>
-      </p:pic>
-      <p:sp>
-        <p:nvSpPr>
-          <p:cNvPr id="363" name="OFFICE  I  FACULTY  I  DEPARTMENT"/>
-          <p:cNvSpPr txBox="1"/>
-          <p:nvPr/>
-        </p:nvSpPr>
-        <p:spPr>
-          <a:xfrm>
-            <a:off x="1219199" y="12823826"/>
-            <a:ext cx="5723468" cy="508001"/>
+        </p:nvSpPr>
+        <p:spPr>
+          <a:xfrm>
+            <a:off x="1219199" y="12834331"/>
+            <a:ext cx="11972318" cy="486991"/>
           </a:xfrm>
           <a:prstGeom prst="rect">
             <a:avLst/>
@@ -8870,6 +8677,1017 @@
           <a:p>
             <a:pPr/>
             <a:r>
+              <a:t>CNS  I  Faculty of Medicine, Health and Human Sciences  I  Department of Clinical Medicine</a:t>
+            </a:r>
+          </a:p>
+        </p:txBody>
+      </p:sp>
+      <p:sp>
+        <p:nvSpPr>
+          <p:cNvPr id="359" name="Strategy"/>
+          <p:cNvSpPr txBox="1"/>
+          <p:nvPr>
+            <p:ph type="title"/>
+          </p:nvPr>
+        </p:nvSpPr>
+        <p:spPr>
+          <a:prstGeom prst="rect">
+            <a:avLst/>
+          </a:prstGeom>
+        </p:spPr>
+        <p:txBody>
+          <a:bodyPr/>
+          <a:lstStyle>
+            <a:lvl1pPr>
+              <a:defRPr sz="7600"/>
+            </a:lvl1pPr>
+          </a:lstStyle>
+          <a:p>
+            <a:pPr/>
+            <a:r>
+              <a:t>Strategy</a:t>
+            </a:r>
+          </a:p>
+        </p:txBody>
+      </p:sp>
+      <p:sp>
+        <p:nvSpPr>
+          <p:cNvPr id="360" name="Multimatch string substitution"/>
+          <p:cNvSpPr txBox="1"/>
+          <p:nvPr>
+            <p:ph type="body" sz="quarter" idx="1"/>
+          </p:nvPr>
+        </p:nvSpPr>
+        <p:spPr>
+          <a:prstGeom prst="rect">
+            <a:avLst/>
+          </a:prstGeom>
+        </p:spPr>
+        <p:txBody>
+          <a:bodyPr/>
+          <a:lstStyle/>
+          <a:p>
+            <a:pPr/>
+            <a:r>
+              <a:t>Multimatch string substitution</a:t>
+            </a:r>
+          </a:p>
+        </p:txBody>
+      </p:sp>
+      <p:sp>
+        <p:nvSpPr>
+          <p:cNvPr id="361" name="Slide Number"/>
+          <p:cNvSpPr txBox="1"/>
+          <p:nvPr>
+            <p:ph type="sldNum" sz="quarter" idx="2"/>
+          </p:nvPr>
+        </p:nvSpPr>
+        <p:spPr>
+          <a:xfrm>
+            <a:off x="22626372" y="12934951"/>
+            <a:ext cx="538429" cy="508001"/>
+          </a:xfrm>
+          <a:prstGeom prst="rect">
+            <a:avLst/>
+          </a:prstGeom>
+          <a:extLst>
+            <a:ext uri="{C572A759-6A51-4108-AA02-DFA0A04FC94B}">
+              <ma14:wrappingTextBoxFlag xmlns:ma14="http://schemas.microsoft.com/office/mac/drawingml/2011/main" val="1"/>
+            </a:ext>
+          </a:extLst>
+        </p:spPr>
+        <p:txBody>
+          <a:bodyPr/>
+          <a:lstStyle/>
+          <a:p>
+            <a:pPr/>
+            <a:fld id="{86CB4B4D-7CA3-9044-876B-883B54F8677D}" type="slidenum"/>
+          </a:p>
+        </p:txBody>
+      </p:sp>
+      <p:pic>
+        <p:nvPicPr>
+          <p:cNvPr id="362" name="Image" descr="Image"/>
+          <p:cNvPicPr>
+            <a:picLocks noChangeAspect="1"/>
+          </p:cNvPicPr>
+          <p:nvPr/>
+        </p:nvPicPr>
+        <p:blipFill>
+          <a:blip r:embed="rId2">
+            <a:extLst/>
+          </a:blip>
+          <a:stretch>
+            <a:fillRect/>
+          </a:stretch>
+        </p:blipFill>
+        <p:spPr>
+          <a:xfrm>
+            <a:off x="18832960" y="789690"/>
+            <a:ext cx="4267201" cy="1279232"/>
+          </a:xfrm>
+          <a:prstGeom prst="rect">
+            <a:avLst/>
+          </a:prstGeom>
+          <a:ln w="12700">
+            <a:miter lim="400000"/>
+          </a:ln>
+        </p:spPr>
+      </p:pic>
+      <p:sp>
+        <p:nvSpPr>
+          <p:cNvPr id="363" name="Uses a hexidecimal representation for both amplitude (left) and direction (right). The example saccade has direction D with amplitude 7, representing sample value D7. An example scanpath sequence and be represented by the string:…"/>
+          <p:cNvSpPr txBox="1"/>
+          <p:nvPr/>
+        </p:nvSpPr>
+        <p:spPr>
+          <a:xfrm>
+            <a:off x="1212241" y="3049236"/>
+            <a:ext cx="22295653" cy="9493574"/>
+          </a:xfrm>
+          <a:prstGeom prst="rect">
+            <a:avLst/>
+          </a:prstGeom>
+          <a:ln w="12700">
+            <a:miter lim="400000"/>
+          </a:ln>
+          <a:extLst>
+            <a:ext uri="{C572A759-6A51-4108-AA02-DFA0A04FC94B}">
+              <ma14:wrappingTextBoxFlag xmlns:ma14="http://schemas.microsoft.com/office/mac/drawingml/2011/main" val="1"/>
+            </a:ext>
+          </a:extLst>
+        </p:spPr>
+        <p:txBody>
+          <a:bodyPr lIns="135466" tIns="135466" rIns="135466" bIns="135466" anchor="ctr"/>
+          <a:lstStyle/>
+          <a:p>
+            <a:pPr algn="l" defTabSz="1219200">
+              <a:lnSpc>
+                <a:spcPct val="120000"/>
+              </a:lnSpc>
+              <a:defRPr sz="4800">
+                <a:solidFill>
+                  <a:srgbClr val="000000"/>
+                </a:solidFill>
+                <a:uFill>
+                  <a:solidFill>
+                    <a:srgbClr val="000000"/>
+                  </a:solidFill>
+                </a:uFill>
+                <a:latin typeface="Georgia"/>
+                <a:ea typeface="Georgia"/>
+                <a:cs typeface="Georgia"/>
+                <a:sym typeface="Georgia"/>
+              </a:defRPr>
+            </a:pPr>
+            <a:r>
+              <a:t>Uses a hexidecimal representation for both amplitude (left) and direction (right). The example saccade has direction D with amplitude 7, representing sample value D7. An example scanpath sequence and be represented by the string: </a:t>
+            </a:r>
+          </a:p>
+          <a:p>
+            <a:pPr algn="l" defTabSz="1219200">
+              <a:lnSpc>
+                <a:spcPct val="120000"/>
+              </a:lnSpc>
+              <a:defRPr b="1" sz="4800">
+                <a:solidFill>
+                  <a:schemeClr val="accent1">
+                    <a:hueOff val="114395"/>
+                    <a:lumOff val="-24975"/>
+                  </a:schemeClr>
+                </a:solidFill>
+                <a:uFill>
+                  <a:solidFill>
+                    <a:srgbClr val="000000"/>
+                  </a:solidFill>
+                </a:uFill>
+                <a:latin typeface="Georgia"/>
+                <a:ea typeface="Georgia"/>
+                <a:cs typeface="Georgia"/>
+                <a:sym typeface="Georgia"/>
+              </a:defRPr>
+            </a:pPr>
+            <a:r>
+              <a:t>D7 23 71 28 73 B3 54 </a:t>
+            </a:r>
+          </a:p>
+          <a:p>
+            <a:pPr algn="l" defTabSz="1219200">
+              <a:lnSpc>
+                <a:spcPct val="120000"/>
+              </a:lnSpc>
+              <a:defRPr sz="4800">
+                <a:solidFill>
+                  <a:srgbClr val="000000"/>
+                </a:solidFill>
+                <a:uFill>
+                  <a:solidFill>
+                    <a:srgbClr val="000000"/>
+                  </a:solidFill>
+                </a:uFill>
+                <a:latin typeface="Georgia"/>
+                <a:ea typeface="Georgia"/>
+                <a:cs typeface="Georgia"/>
+                <a:sym typeface="Georgia"/>
+              </a:defRPr>
+            </a:pPr>
+          </a:p>
+          <a:p>
+            <a:pPr algn="l" defTabSz="1219200">
+              <a:lnSpc>
+                <a:spcPct val="120000"/>
+              </a:lnSpc>
+              <a:defRPr sz="4800">
+                <a:solidFill>
+                  <a:srgbClr val="000000"/>
+                </a:solidFill>
+                <a:uFill>
+                  <a:solidFill>
+                    <a:srgbClr val="000000"/>
+                  </a:solidFill>
+                </a:uFill>
+                <a:latin typeface="Georgia"/>
+                <a:ea typeface="Georgia"/>
+                <a:cs typeface="Georgia"/>
+                <a:sym typeface="Georgia"/>
+              </a:defRPr>
+            </a:pPr>
+            <a:r>
+              <a:t>From here, it is possible to </a:t>
+            </a:r>
+          </a:p>
+          <a:p>
+            <a:pPr algn="l" defTabSz="1219200">
+              <a:lnSpc>
+                <a:spcPct val="120000"/>
+              </a:lnSpc>
+              <a:defRPr sz="4800">
+                <a:solidFill>
+                  <a:srgbClr val="000000"/>
+                </a:solidFill>
+                <a:uFill>
+                  <a:solidFill>
+                    <a:srgbClr val="000000"/>
+                  </a:solidFill>
+                </a:uFill>
+                <a:latin typeface="Georgia"/>
+                <a:ea typeface="Georgia"/>
+                <a:cs typeface="Georgia"/>
+                <a:sym typeface="Georgia"/>
+              </a:defRPr>
+            </a:pPr>
+            <a:r>
+              <a:t>perform string editing </a:t>
+            </a:r>
+          </a:p>
+          <a:p>
+            <a:pPr algn="l" defTabSz="1219200">
+              <a:lnSpc>
+                <a:spcPct val="120000"/>
+              </a:lnSpc>
+              <a:defRPr sz="4800">
+                <a:solidFill>
+                  <a:srgbClr val="000000"/>
+                </a:solidFill>
+                <a:uFill>
+                  <a:solidFill>
+                    <a:srgbClr val="000000"/>
+                  </a:solidFill>
+                </a:uFill>
+                <a:latin typeface="Georgia"/>
+                <a:ea typeface="Georgia"/>
+                <a:cs typeface="Georgia"/>
+                <a:sym typeface="Georgia"/>
+              </a:defRPr>
+            </a:pPr>
+            <a:r>
+              <a:t>operations adopting the </a:t>
+            </a:r>
+          </a:p>
+          <a:p>
+            <a:pPr algn="l" defTabSz="1219200">
+              <a:lnSpc>
+                <a:spcPct val="120000"/>
+              </a:lnSpc>
+              <a:defRPr sz="4800">
+                <a:solidFill>
+                  <a:srgbClr val="000000"/>
+                </a:solidFill>
+                <a:uFill>
+                  <a:solidFill>
+                    <a:srgbClr val="000000"/>
+                  </a:solidFill>
+                </a:uFill>
+                <a:latin typeface="Georgia"/>
+                <a:ea typeface="Georgia"/>
+                <a:cs typeface="Georgia"/>
+                <a:sym typeface="Georgia"/>
+              </a:defRPr>
+            </a:pPr>
+            <a:r>
+              <a:t>same principles as in the </a:t>
+            </a:r>
+          </a:p>
+          <a:p>
+            <a:pPr algn="l" defTabSz="1219200">
+              <a:lnSpc>
+                <a:spcPct val="120000"/>
+              </a:lnSpc>
+              <a:defRPr sz="4800">
+                <a:solidFill>
+                  <a:srgbClr val="000000"/>
+                </a:solidFill>
+                <a:uFill>
+                  <a:solidFill>
+                    <a:srgbClr val="000000"/>
+                  </a:solidFill>
+                </a:uFill>
+                <a:latin typeface="Georgia"/>
+                <a:ea typeface="Georgia"/>
+                <a:cs typeface="Georgia"/>
+                <a:sym typeface="Georgia"/>
+              </a:defRPr>
+            </a:pPr>
+            <a:r>
+              <a:t>Levenshtein method seen in </a:t>
+            </a:r>
+          </a:p>
+          <a:p>
+            <a:pPr algn="l" defTabSz="1219200">
+              <a:lnSpc>
+                <a:spcPct val="120000"/>
+              </a:lnSpc>
+              <a:defRPr sz="4800">
+                <a:solidFill>
+                  <a:srgbClr val="000000"/>
+                </a:solidFill>
+                <a:uFill>
+                  <a:solidFill>
+                    <a:srgbClr val="000000"/>
+                  </a:solidFill>
+                </a:uFill>
+                <a:latin typeface="Georgia"/>
+                <a:ea typeface="Georgia"/>
+                <a:cs typeface="Georgia"/>
+                <a:sym typeface="Georgia"/>
+              </a:defRPr>
+            </a:pPr>
+            <a:r>
+              <a:t>ScanMatch. </a:t>
+            </a:r>
+          </a:p>
+        </p:txBody>
+      </p:sp>
+      <p:pic>
+        <p:nvPicPr>
+          <p:cNvPr id="364" name="Screen Shot 2020-12-01 at 11.39.25 AM.png" descr="Screen Shot 2020-12-01 at 11.39.25 AM.png"/>
+          <p:cNvPicPr>
+            <a:picLocks noChangeAspect="1"/>
+          </p:cNvPicPr>
+          <p:nvPr/>
+        </p:nvPicPr>
+        <p:blipFill>
+          <a:blip r:embed="rId3">
+            <a:extLst/>
+          </a:blip>
+          <a:stretch>
+            <a:fillRect/>
+          </a:stretch>
+        </p:blipFill>
+        <p:spPr>
+          <a:xfrm>
+            <a:off x="10042207" y="6483728"/>
+            <a:ext cx="13968439" cy="6283797"/>
+          </a:xfrm>
+          <a:prstGeom prst="rect">
+            <a:avLst/>
+          </a:prstGeom>
+          <a:ln w="12700">
+            <a:miter lim="400000"/>
+          </a:ln>
+        </p:spPr>
+      </p:pic>
+    </p:spTree>
+  </p:cSld>
+  <p:clrMapOvr>
+    <a:masterClrMapping/>
+  </p:clrMapOvr>
+  <p:transition xmlns:p14="http://schemas.microsoft.com/office/powerpoint/2010/main" spd="med" advClick="1"/>
+</p:sld>
+</file>
+
+<file path=ppt/slides/slide15.xml><?xml version="1.0" encoding="utf-8"?>
+<p:sld xmlns:a="http://schemas.openxmlformats.org/drawingml/2006/main" xmlns:r="http://schemas.openxmlformats.org/officeDocument/2006/relationships" xmlns:p="http://schemas.openxmlformats.org/presentationml/2006/main" xmlns:m="http://schemas.openxmlformats.org/officeDocument/2006/math" xmlns:a14="http://schemas.microsoft.com/office/drawing/2010/main" showMasterSp="1" showMasterPhAnim="1">
+  <p:cSld>
+    <p:spTree>
+      <p:nvGrpSpPr>
+        <p:cNvPr id="1" name=""/>
+        <p:cNvGrpSpPr/>
+        <p:nvPr/>
+      </p:nvGrpSpPr>
+      <p:grpSpPr>
+        <a:xfrm>
+          <a:off x="0" y="0"/>
+          <a:ext cx="0" cy="0"/>
+          <a:chOff x="0" y="0"/>
+          <a:chExt cx="0" cy="0"/>
+        </a:xfrm>
+      </p:grpSpPr>
+      <p:sp>
+        <p:nvSpPr>
+          <p:cNvPr id="366" name="Line"/>
+          <p:cNvSpPr/>
+          <p:nvPr/>
+        </p:nvSpPr>
+        <p:spPr>
+          <a:xfrm>
+            <a:off x="1219199" y="2859314"/>
+            <a:ext cx="21880959" cy="1"/>
+          </a:xfrm>
+          <a:prstGeom prst="line">
+            <a:avLst/>
+          </a:prstGeom>
+          <a:ln w="25400">
+            <a:solidFill>
+              <a:srgbClr val="000000"/>
+            </a:solidFill>
+          </a:ln>
+        </p:spPr>
+        <p:txBody>
+          <a:bodyPr lIns="0" tIns="0" rIns="0" bIns="0"/>
+          <a:lstStyle/>
+          <a:p>
+            <a:pPr algn="l" defTabSz="1219200">
+              <a:defRPr sz="3200">
+                <a:solidFill>
+                  <a:srgbClr val="000000"/>
+                </a:solidFill>
+                <a:latin typeface="Helvetica"/>
+                <a:ea typeface="Helvetica"/>
+                <a:cs typeface="Helvetica"/>
+                <a:sym typeface="Helvetica"/>
+              </a:defRPr>
+            </a:pPr>
+          </a:p>
+        </p:txBody>
+      </p:sp>
+      <p:sp>
+        <p:nvSpPr>
+          <p:cNvPr id="367" name="CNS  I  Faculty of Medicine, Health and Human Sciences  I  Department of Clinical Medicine"/>
+          <p:cNvSpPr txBox="1"/>
+          <p:nvPr/>
+        </p:nvSpPr>
+        <p:spPr>
+          <a:xfrm>
+            <a:off x="1219199" y="12834331"/>
+            <a:ext cx="11972318" cy="486991"/>
+          </a:xfrm>
+          <a:prstGeom prst="rect">
+            <a:avLst/>
+          </a:prstGeom>
+          <a:ln w="25400" cap="rnd"/>
+          <a:extLst>
+            <a:ext uri="{C572A759-6A51-4108-AA02-DFA0A04FC94B}">
+              <ma14:wrappingTextBoxFlag xmlns:ma14="http://schemas.microsoft.com/office/mac/drawingml/2011/main" val="1"/>
+            </a:ext>
+          </a:extLst>
+        </p:spPr>
+        <p:txBody>
+          <a:bodyPr lIns="101600" tIns="101600" rIns="101600" bIns="101600" anchor="ctr">
+            <a:spAutoFit/>
+          </a:bodyPr>
+          <a:lstStyle>
+            <a:lvl1pPr algn="l" defTabSz="1219200">
+              <a:spcBef>
+                <a:spcPts val="800"/>
+              </a:spcBef>
+              <a:defRPr sz="2000">
+                <a:solidFill>
+                  <a:srgbClr val="9A9A9A"/>
+                </a:solidFill>
+                <a:uFill>
+                  <a:solidFill>
+                    <a:srgbClr val="9A9A9A"/>
+                  </a:solidFill>
+                </a:uFill>
+                <a:latin typeface="Arial"/>
+                <a:ea typeface="Arial"/>
+                <a:cs typeface="Arial"/>
+                <a:sym typeface="Arial"/>
+              </a:defRPr>
+            </a:lvl1pPr>
+          </a:lstStyle>
+          <a:p>
+            <a:pPr/>
+            <a:r>
+              <a:t>CNS  I  Faculty of Medicine, Health and Human Sciences  I  Department of Clinical Medicine</a:t>
+            </a:r>
+          </a:p>
+        </p:txBody>
+      </p:sp>
+      <p:sp>
+        <p:nvSpPr>
+          <p:cNvPr id="368" name="Strategy"/>
+          <p:cNvSpPr txBox="1"/>
+          <p:nvPr>
+            <p:ph type="title"/>
+          </p:nvPr>
+        </p:nvSpPr>
+        <p:spPr>
+          <a:prstGeom prst="rect">
+            <a:avLst/>
+          </a:prstGeom>
+        </p:spPr>
+        <p:txBody>
+          <a:bodyPr/>
+          <a:lstStyle>
+            <a:lvl1pPr>
+              <a:defRPr sz="7600"/>
+            </a:lvl1pPr>
+          </a:lstStyle>
+          <a:p>
+            <a:pPr/>
+            <a:r>
+              <a:t>Strategy</a:t>
+            </a:r>
+          </a:p>
+        </p:txBody>
+      </p:sp>
+      <p:sp>
+        <p:nvSpPr>
+          <p:cNvPr id="369" name="Multimatch heatmaps and separability"/>
+          <p:cNvSpPr txBox="1"/>
+          <p:nvPr>
+            <p:ph type="body" sz="quarter" idx="1"/>
+          </p:nvPr>
+        </p:nvSpPr>
+        <p:spPr>
+          <a:prstGeom prst="rect">
+            <a:avLst/>
+          </a:prstGeom>
+        </p:spPr>
+        <p:txBody>
+          <a:bodyPr/>
+          <a:lstStyle/>
+          <a:p>
+            <a:pPr/>
+            <a:r>
+              <a:t>Multimatch heatmaps and separability</a:t>
+            </a:r>
+          </a:p>
+        </p:txBody>
+      </p:sp>
+      <p:sp>
+        <p:nvSpPr>
+          <p:cNvPr id="370" name="Slide Number"/>
+          <p:cNvSpPr txBox="1"/>
+          <p:nvPr>
+            <p:ph type="sldNum" sz="quarter" idx="2"/>
+          </p:nvPr>
+        </p:nvSpPr>
+        <p:spPr>
+          <a:xfrm>
+            <a:off x="22626372" y="12934951"/>
+            <a:ext cx="538429" cy="508001"/>
+          </a:xfrm>
+          <a:prstGeom prst="rect">
+            <a:avLst/>
+          </a:prstGeom>
+          <a:extLst>
+            <a:ext uri="{C572A759-6A51-4108-AA02-DFA0A04FC94B}">
+              <ma14:wrappingTextBoxFlag xmlns:ma14="http://schemas.microsoft.com/office/mac/drawingml/2011/main" val="1"/>
+            </a:ext>
+          </a:extLst>
+        </p:spPr>
+        <p:txBody>
+          <a:bodyPr/>
+          <a:lstStyle/>
+          <a:p>
+            <a:pPr/>
+            <a:fld id="{86CB4B4D-7CA3-9044-876B-883B54F8677D}" type="slidenum"/>
+          </a:p>
+        </p:txBody>
+      </p:sp>
+      <p:pic>
+        <p:nvPicPr>
+          <p:cNvPr id="371" name="Image" descr="Image"/>
+          <p:cNvPicPr>
+            <a:picLocks noChangeAspect="1"/>
+          </p:cNvPicPr>
+          <p:nvPr/>
+        </p:nvPicPr>
+        <p:blipFill>
+          <a:blip r:embed="rId2">
+            <a:extLst/>
+          </a:blip>
+          <a:stretch>
+            <a:fillRect/>
+          </a:stretch>
+        </p:blipFill>
+        <p:spPr>
+          <a:xfrm>
+            <a:off x="18832960" y="789690"/>
+            <a:ext cx="4267201" cy="1279232"/>
+          </a:xfrm>
+          <a:prstGeom prst="rect">
+            <a:avLst/>
+          </a:prstGeom>
+          <a:ln w="12700">
+            <a:miter lim="400000"/>
+          </a:ln>
+        </p:spPr>
+      </p:pic>
+      <p:sp>
+        <p:nvSpPr>
+          <p:cNvPr id="372" name="Rectangle"/>
+          <p:cNvSpPr txBox="1"/>
+          <p:nvPr/>
+        </p:nvSpPr>
+        <p:spPr>
+          <a:xfrm>
+            <a:off x="1236313" y="3049236"/>
+            <a:ext cx="22271581" cy="9493573"/>
+          </a:xfrm>
+          <a:prstGeom prst="rect">
+            <a:avLst/>
+          </a:prstGeom>
+          <a:ln w="12700">
+            <a:miter lim="400000"/>
+          </a:ln>
+        </p:spPr>
+        <p:txBody>
+          <a:bodyPr lIns="135466" tIns="135466" rIns="135466" bIns="135466" anchor="ctr"/>
+          <a:lstStyle/>
+          <a:p>
+            <a:pPr algn="l" defTabSz="1219200">
+              <a:lnSpc>
+                <a:spcPct val="120000"/>
+              </a:lnSpc>
+              <a:defRPr sz="4800">
+                <a:solidFill>
+                  <a:srgbClr val="000000"/>
+                </a:solidFill>
+                <a:uFill>
+                  <a:solidFill>
+                    <a:srgbClr val="000000"/>
+                  </a:solidFill>
+                </a:uFill>
+                <a:latin typeface="Georgia"/>
+                <a:ea typeface="Georgia"/>
+                <a:cs typeface="Georgia"/>
+                <a:sym typeface="Georgia"/>
+              </a:defRPr>
+            </a:pPr>
+          </a:p>
+        </p:txBody>
+      </p:sp>
+      <p:pic>
+        <p:nvPicPr>
+          <p:cNvPr id="373" name="MultiMatch_Direction.jpg" descr="MultiMatch_Direction.jpg"/>
+          <p:cNvPicPr>
+            <a:picLocks noChangeAspect="1"/>
+          </p:cNvPicPr>
+          <p:nvPr/>
+        </p:nvPicPr>
+        <p:blipFill>
+          <a:blip r:embed="rId3">
+            <a:extLst/>
+          </a:blip>
+          <a:stretch>
+            <a:fillRect/>
+          </a:stretch>
+        </p:blipFill>
+        <p:spPr>
+          <a:xfrm>
+            <a:off x="1765477" y="5573190"/>
+            <a:ext cx="6682055" cy="4612992"/>
+          </a:xfrm>
+          <a:prstGeom prst="rect">
+            <a:avLst/>
+          </a:prstGeom>
+          <a:ln w="12700">
+            <a:miter lim="400000"/>
+          </a:ln>
+        </p:spPr>
+      </p:pic>
+      <p:pic>
+        <p:nvPicPr>
+          <p:cNvPr id="374" name="MultiMatch_Duration.jpg" descr="MultiMatch_Duration.jpg"/>
+          <p:cNvPicPr>
+            <a:picLocks noChangeAspect="1"/>
+          </p:cNvPicPr>
+          <p:nvPr/>
+        </p:nvPicPr>
+        <p:blipFill>
+          <a:blip r:embed="rId4">
+            <a:extLst/>
+          </a:blip>
+          <a:stretch>
+            <a:fillRect/>
+          </a:stretch>
+        </p:blipFill>
+        <p:spPr>
+          <a:xfrm>
+            <a:off x="8446999" y="5574679"/>
+            <a:ext cx="6682054" cy="4612992"/>
+          </a:xfrm>
+          <a:prstGeom prst="rect">
+            <a:avLst/>
+          </a:prstGeom>
+          <a:ln w="12700">
+            <a:miter lim="400000"/>
+          </a:ln>
+        </p:spPr>
+      </p:pic>
+      <p:pic>
+        <p:nvPicPr>
+          <p:cNvPr id="375" name="MultiMatch_Length.jpg" descr="MultiMatch_Length.jpg"/>
+          <p:cNvPicPr>
+            <a:picLocks noChangeAspect="1"/>
+          </p:cNvPicPr>
+          <p:nvPr/>
+        </p:nvPicPr>
+        <p:blipFill>
+          <a:blip r:embed="rId5">
+            <a:extLst/>
+          </a:blip>
+          <a:stretch>
+            <a:fillRect/>
+          </a:stretch>
+        </p:blipFill>
+        <p:spPr>
+          <a:xfrm>
+            <a:off x="15405639" y="5576537"/>
+            <a:ext cx="6682054" cy="4612992"/>
+          </a:xfrm>
+          <a:prstGeom prst="rect">
+            <a:avLst/>
+          </a:prstGeom>
+          <a:ln w="12700">
+            <a:miter lim="400000"/>
+          </a:ln>
+        </p:spPr>
+      </p:pic>
+      <p:sp>
+        <p:nvSpPr>
+          <p:cNvPr id="376" name="Direction"/>
+          <p:cNvSpPr txBox="1"/>
+          <p:nvPr/>
+        </p:nvSpPr>
+        <p:spPr>
+          <a:xfrm>
+            <a:off x="4326845" y="4624599"/>
+            <a:ext cx="1884300" cy="609855"/>
+          </a:xfrm>
+          <a:prstGeom prst="rect">
+            <a:avLst/>
+          </a:prstGeom>
+          <a:ln w="12700">
+            <a:miter lim="400000"/>
+          </a:ln>
+          <a:extLst>
+            <a:ext uri="{C572A759-6A51-4108-AA02-DFA0A04FC94B}">
+              <ma14:wrappingTextBoxFlag xmlns:ma14="http://schemas.microsoft.com/office/mac/drawingml/2011/main" val="1"/>
+            </a:ext>
+          </a:extLst>
+        </p:spPr>
+        <p:txBody>
+          <a:bodyPr wrap="none" lIns="50800" tIns="50800" rIns="50800" bIns="50800" anchor="ctr">
+            <a:spAutoFit/>
+          </a:bodyPr>
+          <a:lstStyle>
+            <a:lvl1pPr>
+              <a:defRPr sz="3500"/>
+            </a:lvl1pPr>
+          </a:lstStyle>
+          <a:p>
+            <a:pPr/>
+            <a:r>
+              <a:t>Direction</a:t>
+            </a:r>
+          </a:p>
+        </p:txBody>
+      </p:sp>
+      <p:sp>
+        <p:nvSpPr>
+          <p:cNvPr id="377" name="Duration"/>
+          <p:cNvSpPr txBox="1"/>
+          <p:nvPr/>
+        </p:nvSpPr>
+        <p:spPr>
+          <a:xfrm>
+            <a:off x="10886992" y="4624599"/>
+            <a:ext cx="1802068" cy="609855"/>
+          </a:xfrm>
+          <a:prstGeom prst="rect">
+            <a:avLst/>
+          </a:prstGeom>
+          <a:ln w="12700">
+            <a:miter lim="400000"/>
+          </a:ln>
+          <a:extLst>
+            <a:ext uri="{C572A759-6A51-4108-AA02-DFA0A04FC94B}">
+              <ma14:wrappingTextBoxFlag xmlns:ma14="http://schemas.microsoft.com/office/mac/drawingml/2011/main" val="1"/>
+            </a:ext>
+          </a:extLst>
+        </p:spPr>
+        <p:txBody>
+          <a:bodyPr wrap="none" lIns="50800" tIns="50800" rIns="50800" bIns="50800" anchor="ctr">
+            <a:spAutoFit/>
+          </a:bodyPr>
+          <a:lstStyle>
+            <a:lvl1pPr>
+              <a:defRPr sz="3500"/>
+            </a:lvl1pPr>
+          </a:lstStyle>
+          <a:p>
+            <a:pPr/>
+            <a:r>
+              <a:t>Duration</a:t>
+            </a:r>
+          </a:p>
+        </p:txBody>
+      </p:sp>
+      <p:sp>
+        <p:nvSpPr>
+          <p:cNvPr id="378" name="Length"/>
+          <p:cNvSpPr txBox="1"/>
+          <p:nvPr/>
+        </p:nvSpPr>
+        <p:spPr>
+          <a:xfrm>
+            <a:off x="18001875" y="4624599"/>
+            <a:ext cx="1489584" cy="609855"/>
+          </a:xfrm>
+          <a:prstGeom prst="rect">
+            <a:avLst/>
+          </a:prstGeom>
+          <a:ln w="12700">
+            <a:miter lim="400000"/>
+          </a:ln>
+          <a:extLst>
+            <a:ext uri="{C572A759-6A51-4108-AA02-DFA0A04FC94B}">
+              <ma14:wrappingTextBoxFlag xmlns:ma14="http://schemas.microsoft.com/office/mac/drawingml/2011/main" val="1"/>
+            </a:ext>
+          </a:extLst>
+        </p:spPr>
+        <p:txBody>
+          <a:bodyPr wrap="none" lIns="50800" tIns="50800" rIns="50800" bIns="50800" anchor="ctr">
+            <a:spAutoFit/>
+          </a:bodyPr>
+          <a:lstStyle>
+            <a:lvl1pPr>
+              <a:defRPr sz="3500"/>
+            </a:lvl1pPr>
+          </a:lstStyle>
+          <a:p>
+            <a:pPr/>
+            <a:r>
+              <a:t>Length</a:t>
+            </a:r>
+          </a:p>
+        </p:txBody>
+      </p:sp>
+    </p:spTree>
+  </p:cSld>
+  <p:clrMapOvr>
+    <a:masterClrMapping/>
+  </p:clrMapOvr>
+  <p:transition xmlns:p14="http://schemas.microsoft.com/office/powerpoint/2010/main" spd="med" advClick="1"/>
+</p:sld>
+</file>
+
+<file path=ppt/slides/slide16.xml><?xml version="1.0" encoding="utf-8"?>
+<p:sld xmlns:a="http://schemas.openxmlformats.org/drawingml/2006/main" xmlns:r="http://schemas.openxmlformats.org/officeDocument/2006/relationships" xmlns:p="http://schemas.openxmlformats.org/presentationml/2006/main" xmlns:m="http://schemas.openxmlformats.org/officeDocument/2006/math" xmlns:a14="http://schemas.microsoft.com/office/drawing/2010/main" showMasterSp="1" showMasterPhAnim="1">
+  <p:cSld>
+    <p:spTree>
+      <p:nvGrpSpPr>
+        <p:cNvPr id="1" name=""/>
+        <p:cNvGrpSpPr/>
+        <p:nvPr/>
+      </p:nvGrpSpPr>
+      <p:grpSpPr>
+        <a:xfrm>
+          <a:off x="0" y="0"/>
+          <a:ext cx="0" cy="0"/>
+          <a:chOff x="0" y="0"/>
+          <a:chExt cx="0" cy="0"/>
+        </a:xfrm>
+      </p:grpSpPr>
+      <p:sp>
+        <p:nvSpPr>
+          <p:cNvPr id="380" name="Line"/>
+          <p:cNvSpPr/>
+          <p:nvPr/>
+        </p:nvSpPr>
+        <p:spPr>
+          <a:xfrm>
+            <a:off x="1219199" y="2859314"/>
+            <a:ext cx="21880959" cy="1"/>
+          </a:xfrm>
+          <a:prstGeom prst="line">
+            <a:avLst/>
+          </a:prstGeom>
+          <a:ln w="25400">
+            <a:solidFill>
+              <a:srgbClr val="000000"/>
+            </a:solidFill>
+          </a:ln>
+        </p:spPr>
+        <p:txBody>
+          <a:bodyPr lIns="0" tIns="0" rIns="0" bIns="0"/>
+          <a:lstStyle/>
+          <a:p>
+            <a:pPr algn="l" defTabSz="1219200">
+              <a:defRPr sz="3200">
+                <a:solidFill>
+                  <a:srgbClr val="000000"/>
+                </a:solidFill>
+                <a:latin typeface="Helvetica"/>
+                <a:ea typeface="Helvetica"/>
+                <a:cs typeface="Helvetica"/>
+                <a:sym typeface="Helvetica"/>
+              </a:defRPr>
+            </a:pPr>
+          </a:p>
+        </p:txBody>
+      </p:sp>
+      <p:pic>
+        <p:nvPicPr>
+          <p:cNvPr id="381" name="image1.png" descr="image1.png"/>
+          <p:cNvPicPr>
+            <a:picLocks noChangeAspect="1"/>
+          </p:cNvPicPr>
+          <p:nvPr/>
+        </p:nvPicPr>
+        <p:blipFill>
+          <a:blip r:embed="rId2">
+            <a:extLst/>
+          </a:blip>
+          <a:stretch>
+            <a:fillRect/>
+          </a:stretch>
+        </p:blipFill>
+        <p:spPr>
+          <a:xfrm>
+            <a:off x="18844379" y="789690"/>
+            <a:ext cx="4255783" cy="1274574"/>
+          </a:xfrm>
+          <a:prstGeom prst="rect">
+            <a:avLst/>
+          </a:prstGeom>
+          <a:ln w="12700"/>
+        </p:spPr>
+      </p:pic>
+      <p:sp>
+        <p:nvSpPr>
+          <p:cNvPr id="382" name="OFFICE  I  FACULTY  I  DEPARTMENT"/>
+          <p:cNvSpPr txBox="1"/>
+          <p:nvPr/>
+        </p:nvSpPr>
+        <p:spPr>
+          <a:xfrm>
+            <a:off x="1219199" y="12823826"/>
+            <a:ext cx="5723468" cy="508001"/>
+          </a:xfrm>
+          <a:prstGeom prst="rect">
+            <a:avLst/>
+          </a:prstGeom>
+          <a:ln w="25400" cap="rnd"/>
+          <a:extLst>
+            <a:ext uri="{C572A759-6A51-4108-AA02-DFA0A04FC94B}">
+              <ma14:wrappingTextBoxFlag xmlns:ma14="http://schemas.microsoft.com/office/mac/drawingml/2011/main" val="1"/>
+            </a:ext>
+          </a:extLst>
+        </p:spPr>
+        <p:txBody>
+          <a:bodyPr lIns="101600" tIns="101600" rIns="101600" bIns="101600" anchor="ctr">
+            <a:spAutoFit/>
+          </a:bodyPr>
+          <a:lstStyle>
+            <a:lvl1pPr algn="l" defTabSz="1219200">
+              <a:spcBef>
+                <a:spcPts val="800"/>
+              </a:spcBef>
+              <a:defRPr sz="2000">
+                <a:solidFill>
+                  <a:srgbClr val="9A9A9A"/>
+                </a:solidFill>
+                <a:uFill>
+                  <a:solidFill>
+                    <a:srgbClr val="9A9A9A"/>
+                  </a:solidFill>
+                </a:uFill>
+                <a:latin typeface="Arial"/>
+                <a:ea typeface="Arial"/>
+                <a:cs typeface="Arial"/>
+                <a:sym typeface="Arial"/>
+              </a:defRPr>
+            </a:lvl1pPr>
+          </a:lstStyle>
+          <a:p>
+            <a:pPr/>
+            <a:r>
               <a:t>OFFICE  I  FACULTY  I  DEPARTMENT</a:t>
             </a:r>
           </a:p>
@@ -8877,7 +9695,7 @@
       </p:sp>
       <p:sp>
         <p:nvSpPr>
-          <p:cNvPr id="364" name="Rectangle"/>
+          <p:cNvPr id="383" name="Rectangle"/>
           <p:cNvSpPr/>
           <p:nvPr/>
         </p:nvSpPr>
@@ -8926,7 +9744,7 @@
       </p:sp>
       <p:sp>
         <p:nvSpPr>
-          <p:cNvPr id="365" name="Slide Number"/>
+          <p:cNvPr id="384" name="Slide Number"/>
           <p:cNvSpPr txBox="1"/>
           <p:nvPr>
             <p:ph type="sldNum" sz="quarter" idx="2"/>
@@ -8957,7 +9775,7 @@
       </p:sp>
       <p:sp>
         <p:nvSpPr>
-          <p:cNvPr id="366" name="Thank you…"/>
+          <p:cNvPr id="385" name="Thank you…"/>
           <p:cNvSpPr txBox="1"/>
           <p:nvPr>
             <p:ph type="title"/>
@@ -9176,7 +9994,7 @@
       </p:sp>
       <p:pic>
         <p:nvPicPr>
-          <p:cNvPr id="367" name="Image" descr="Image"/>
+          <p:cNvPr id="386" name="Image" descr="Image"/>
           <p:cNvPicPr>
             <a:picLocks noChangeAspect="1"/>
           </p:cNvPicPr>
@@ -9781,8 +10599,8 @@
         </p:nvSpPr>
         <p:spPr>
           <a:xfrm>
-            <a:off x="1227669" y="3990218"/>
-            <a:ext cx="21864018" cy="8277238"/>
+            <a:off x="1227669" y="3324590"/>
+            <a:ext cx="21864018" cy="8942866"/>
           </a:xfrm>
           <a:prstGeom prst="rect">
             <a:avLst/>
@@ -9890,7 +10708,7 @@
               </a:defRPr>
             </a:pPr>
             <a:r>
-              <a:t>ScanMatch, and agglomerative quantising </a:t>
+              <a:t>ScanMatch, and amplitude or directional </a:t>
             </a:r>
           </a:p>
           <a:p>
@@ -9911,7 +10729,7 @@
               </a:defRPr>
             </a:pPr>
             <a:r>
-              <a:t>with MultiMatch.  </a:t>
+              <a:t>clustering with MultiMatch.  </a:t>
             </a:r>
           </a:p>
         </p:txBody>
@@ -9943,33 +10761,6 @@
           <a:ln w="12700">
             <a:miter lim="400000"/>
           </a:ln>
-        </p:spPr>
-      </p:pic>
-      <p:pic>
-        <p:nvPicPr>
-          <p:cNvPr id="262" name="Screen Shot 2020-11-30 at 4.09.01 PM.png" descr="Screen Shot 2020-11-30 at 4.09.01 PM.png"/>
-          <p:cNvPicPr>
-            <a:picLocks noChangeAspect="1"/>
-          </p:cNvPicPr>
-          <p:nvPr/>
-        </p:nvPicPr>
-        <p:blipFill>
-          <a:blip r:embed="rId3">
-            <a:extLst/>
-          </a:blip>
-          <a:stretch>
-            <a:fillRect/>
-          </a:stretch>
-        </p:blipFill>
-        <p:spPr>
-          <a:xfrm>
-            <a:off x="16551087" y="6117671"/>
-            <a:ext cx="5966419" cy="5981836"/>
-          </a:xfrm>
-          <a:prstGeom prst="rect">
-            <a:avLst/>
-          </a:prstGeom>
-          <a:ln w="12700"/>
         </p:spPr>
       </p:pic>
     </p:spTree>
@@ -10000,7 +10791,7 @@
       </p:grpSpPr>
       <p:sp>
         <p:nvSpPr>
-          <p:cNvPr id="264" name="Line"/>
+          <p:cNvPr id="263" name="Line"/>
           <p:cNvSpPr/>
           <p:nvPr/>
         </p:nvSpPr>
@@ -10038,7 +10829,7 @@
       </p:sp>
       <p:sp>
         <p:nvSpPr>
-          <p:cNvPr id="265" name="CNS  I  Faculty of Medicine, Health and Human Sciences  I  Department of Clinical Medicine"/>
+          <p:cNvPr id="264" name="CNS  I  Faculty of Medicine, Health and Human Sciences  I  Department of Clinical Medicine"/>
           <p:cNvSpPr txBox="1"/>
           <p:nvPr/>
         </p:nvSpPr>
@@ -10093,7 +10884,7 @@
       </p:sp>
       <p:sp>
         <p:nvSpPr>
-          <p:cNvPr id="266" name="Introduction"/>
+          <p:cNvPr id="265" name="Introduction"/>
           <p:cNvSpPr txBox="1"/>
           <p:nvPr>
             <p:ph type="title"/>
@@ -10121,7 +10912,7 @@
       </p:sp>
       <p:sp>
         <p:nvSpPr>
-          <p:cNvPr id="267" name="Slide Number"/>
+          <p:cNvPr id="266" name="Slide Number"/>
           <p:cNvSpPr txBox="1"/>
           <p:nvPr>
             <p:ph type="sldNum" sz="quarter" idx="2"/>
@@ -10152,7 +10943,7 @@
       </p:sp>
       <p:sp>
         <p:nvSpPr>
-          <p:cNvPr id="268" name="scanpath"/>
+          <p:cNvPr id="267" name="scanpath"/>
           <p:cNvSpPr txBox="1"/>
           <p:nvPr>
             <p:ph type="body" sz="quarter" idx="1"/>
@@ -10176,7 +10967,7 @@
       </p:sp>
       <p:sp>
         <p:nvSpPr>
-          <p:cNvPr id="269" name="Rectangle"/>
+          <p:cNvPr id="268" name="Rectangle"/>
           <p:cNvSpPr txBox="1"/>
           <p:nvPr>
             <p:ph type="body" idx="21"/>
@@ -10216,7 +11007,7 @@
       </p:sp>
       <p:pic>
         <p:nvPicPr>
-          <p:cNvPr id="270" name="Image" descr="Image"/>
+          <p:cNvPr id="269" name="Image" descr="Image"/>
           <p:cNvPicPr>
             <a:picLocks noChangeAspect="1"/>
           </p:cNvPicPr>
@@ -10245,7 +11036,7 @@
       </p:pic>
       <p:pic>
         <p:nvPicPr>
-          <p:cNvPr id="271" name="stimulus.png" descr="stimulus.png"/>
+          <p:cNvPr id="270" name="stimulus.png" descr="stimulus.png"/>
           <p:cNvPicPr>
             <a:picLocks noChangeAspect="1"/>
           </p:cNvPicPr>
@@ -10274,7 +11065,7 @@
       </p:pic>
       <p:pic>
         <p:nvPicPr>
-          <p:cNvPr id="272" name="Scanpaths.jpg" descr="Scanpaths.jpg"/>
+          <p:cNvPr id="271" name="Scanpaths.jpg" descr="Scanpaths.jpg"/>
           <p:cNvPicPr>
             <a:picLocks noChangeAspect="1"/>
           </p:cNvPicPr>
@@ -10329,7 +11120,7 @@
       </p:grpSpPr>
       <p:sp>
         <p:nvSpPr>
-          <p:cNvPr id="274" name="Line"/>
+          <p:cNvPr id="273" name="Line"/>
           <p:cNvSpPr/>
           <p:nvPr/>
         </p:nvSpPr>
@@ -10367,7 +11158,7 @@
       </p:sp>
       <p:sp>
         <p:nvSpPr>
-          <p:cNvPr id="275" name="CNS  I  Faculty of Medicine, Health and Human Sciences  I  Department of Clinical Medicine"/>
+          <p:cNvPr id="274" name="CNS  I  Faculty of Medicine, Health and Human Sciences  I  Department of Clinical Medicine"/>
           <p:cNvSpPr txBox="1"/>
           <p:nvPr/>
         </p:nvSpPr>
@@ -10422,7 +11213,7 @@
       </p:sp>
       <p:sp>
         <p:nvSpPr>
-          <p:cNvPr id="276" name="Introduction"/>
+          <p:cNvPr id="275" name="Introduction"/>
           <p:cNvSpPr txBox="1"/>
           <p:nvPr>
             <p:ph type="title"/>
@@ -10450,7 +11241,7 @@
       </p:sp>
       <p:sp>
         <p:nvSpPr>
-          <p:cNvPr id="277" name="Slide Number"/>
+          <p:cNvPr id="276" name="Slide Number"/>
           <p:cNvSpPr txBox="1"/>
           <p:nvPr>
             <p:ph type="sldNum" sz="quarter" idx="2"/>
@@ -10481,7 +11272,7 @@
       </p:sp>
       <p:sp>
         <p:nvSpPr>
-          <p:cNvPr id="278" name="Scanpath comparison"/>
+          <p:cNvPr id="277" name="Scanpath comparison"/>
           <p:cNvSpPr txBox="1"/>
           <p:nvPr>
             <p:ph type="body" sz="quarter" idx="1"/>
@@ -10505,7 +11296,7 @@
       </p:sp>
       <p:sp>
         <p:nvSpPr>
-          <p:cNvPr id="279" name="Known issues in scanpath comparison including chance, alignment problems, offset alignment issues, backwards, quantising, global to local agglomerative…"/>
+          <p:cNvPr id="278" name="Known issues in scanpath comparison including chance, alignment problems, offset alignment issues, backwards, quantising, global to local agglomerative…"/>
           <p:cNvSpPr txBox="1"/>
           <p:nvPr>
             <p:ph type="body" idx="21"/>
@@ -10629,7 +11420,7 @@
       </p:sp>
       <p:pic>
         <p:nvPicPr>
-          <p:cNvPr id="280" name="Image" descr="Image"/>
+          <p:cNvPr id="279" name="Image" descr="Image"/>
           <p:cNvPicPr>
             <a:picLocks noChangeAspect="1"/>
           </p:cNvPicPr>
@@ -10658,7 +11449,7 @@
       </p:pic>
       <p:pic>
         <p:nvPicPr>
-          <p:cNvPr id="281" name="Screen Shot 2020-11-30 at 5.26.03 PM.png" descr="Screen Shot 2020-11-30 at 5.26.03 PM.png"/>
+          <p:cNvPr id="280" name="Screen Shot 2020-11-30 at 5.26.03 PM.png" descr="Screen Shot 2020-11-30 at 5.26.03 PM.png"/>
           <p:cNvPicPr>
             <a:picLocks noChangeAspect="1"/>
           </p:cNvPicPr>
@@ -10713,7 +11504,7 @@
       </p:grpSpPr>
       <p:sp>
         <p:nvSpPr>
-          <p:cNvPr id="283" name="Line"/>
+          <p:cNvPr id="282" name="Line"/>
           <p:cNvSpPr/>
           <p:nvPr/>
         </p:nvSpPr>
@@ -10751,7 +11542,7 @@
       </p:sp>
       <p:sp>
         <p:nvSpPr>
-          <p:cNvPr id="284" name="CNS  I  Faculty of Medicine, Health and Human Sciences  I  Department of Clinical Medicine"/>
+          <p:cNvPr id="283" name="CNS  I  Faculty of Medicine, Health and Human Sciences  I  Department of Clinical Medicine"/>
           <p:cNvSpPr txBox="1"/>
           <p:nvPr/>
         </p:nvSpPr>
@@ -10806,7 +11597,7 @@
       </p:sp>
       <p:sp>
         <p:nvSpPr>
-          <p:cNvPr id="285" name="Introduction"/>
+          <p:cNvPr id="284" name="Introduction"/>
           <p:cNvSpPr txBox="1"/>
           <p:nvPr>
             <p:ph type="title"/>
@@ -10834,7 +11625,7 @@
       </p:sp>
       <p:sp>
         <p:nvSpPr>
-          <p:cNvPr id="286" name="Slide Number"/>
+          <p:cNvPr id="285" name="Slide Number"/>
           <p:cNvSpPr txBox="1"/>
           <p:nvPr>
             <p:ph type="sldNum" sz="quarter" idx="2"/>
@@ -10865,7 +11656,7 @@
       </p:sp>
       <p:sp>
         <p:nvSpPr>
-          <p:cNvPr id="287" name="ScanMatch string substitution"/>
+          <p:cNvPr id="286" name="ScanMatch dimensionality reduction"/>
           <p:cNvSpPr txBox="1"/>
           <p:nvPr>
             <p:ph type="body" sz="quarter" idx="1"/>
@@ -10882,14 +11673,14 @@
           <a:p>
             <a:pPr/>
             <a:r>
-              <a:t>ScanMatch string substitution</a:t>
-            </a:r>
-          </a:p>
-        </p:txBody>
-      </p:sp>
-      <p:sp>
-        <p:nvSpPr>
-          <p:cNvPr id="288" name="The Levenshtein distance between two strings a, b:…"/>
+              <a:t>ScanMatch dimensionality reduction</a:t>
+            </a:r>
+          </a:p>
+        </p:txBody>
+      </p:sp>
+      <p:sp>
+        <p:nvSpPr>
+          <p:cNvPr id="287" name="Gridded quantising of scanpath fixations."/>
           <p:cNvSpPr txBox="1"/>
           <p:nvPr>
             <p:ph type="body" idx="21"/>
@@ -10925,7 +11716,7 @@
               </a:defRPr>
             </a:pPr>
             <a:r>
-              <a:t>The Levenshtein distance between two strings a, b:</a:t>
+              <a:t>Gridded quantising of scanpath fixations.</a:t>
             </a:r>
           </a:p>
           <a:p>
@@ -10946,71 +11737,11 @@
               </a:defRPr>
             </a:pPr>
           </a:p>
-          <a:p>
-            <a:pPr marL="0" indent="0" defTabSz="1219200">
-              <a:lnSpc>
-                <a:spcPct val="100000"/>
-              </a:lnSpc>
-              <a:spcBef>
-                <a:spcPts val="0"/>
-              </a:spcBef>
-              <a:buSzTx/>
-              <a:buNone/>
-              <a:defRPr sz="5600">
-                <a:latin typeface="Georgia"/>
-                <a:ea typeface="Georgia"/>
-                <a:cs typeface="Georgia"/>
-                <a:sym typeface="Georgia"/>
-              </a:defRPr>
-            </a:pPr>
-            <a:r>
-              <a:t>Sam → Bam (substitution of "S" for "B")</a:t>
-            </a:r>
-          </a:p>
-          <a:p>
-            <a:pPr marL="0" indent="0" defTabSz="1219200">
-              <a:lnSpc>
-                <a:spcPct val="100000"/>
-              </a:lnSpc>
-              <a:spcBef>
-                <a:spcPts val="0"/>
-              </a:spcBef>
-              <a:buSzTx/>
-              <a:buNone/>
-              <a:defRPr sz="5600">
-                <a:latin typeface="Georgia"/>
-                <a:ea typeface="Georgia"/>
-                <a:cs typeface="Georgia"/>
-                <a:sym typeface="Georgia"/>
-              </a:defRPr>
-            </a:pPr>
-            <a:r>
-              <a:t>sit → sits (insertion of "s" at the end)</a:t>
-            </a:r>
-          </a:p>
-          <a:p>
-            <a:pPr marL="0" indent="0" defTabSz="1219200">
-              <a:lnSpc>
-                <a:spcPct val="100000"/>
-              </a:lnSpc>
-              <a:spcBef>
-                <a:spcPts val="0"/>
-              </a:spcBef>
-              <a:buSzTx/>
-              <a:buNone/>
-              <a:defRPr sz="5600">
-                <a:latin typeface="Georgia"/>
-                <a:ea typeface="Georgia"/>
-                <a:cs typeface="Georgia"/>
-                <a:sym typeface="Georgia"/>
-              </a:defRPr>
-            </a:pPr>
-          </a:p>
         </p:txBody>
       </p:sp>
       <p:pic>
         <p:nvPicPr>
-          <p:cNvPr id="289" name="Image" descr="Image"/>
+          <p:cNvPr id="288" name="Image" descr="Image"/>
           <p:cNvPicPr>
             <a:picLocks noChangeAspect="1"/>
           </p:cNvPicPr>
@@ -11039,7 +11770,7 @@
       </p:pic>
       <p:pic>
         <p:nvPicPr>
-          <p:cNvPr id="290" name="Screen Shot 2020-11-30 at 4.21.52 PM.png" descr="Screen Shot 2020-11-30 at 4.21.52 PM.png"/>
+          <p:cNvPr id="289" name="Screen Shot 2020-11-30 at 4.09.01 PM.png" descr="Screen Shot 2020-11-30 at 4.09.01 PM.png"/>
           <p:cNvPicPr>
             <a:picLocks noChangeAspect="1"/>
           </p:cNvPicPr>
@@ -11055,15 +11786,13 @@
         </p:blipFill>
         <p:spPr>
           <a:xfrm>
-            <a:off x="1014030" y="8134549"/>
-            <a:ext cx="17175784" cy="4104804"/>
-          </a:xfrm>
-          <a:prstGeom prst="rect">
-            <a:avLst/>
-          </a:prstGeom>
-          <a:ln w="12700">
-            <a:miter lim="400000"/>
-          </a:ln>
+            <a:off x="1353882" y="5794326"/>
+            <a:ext cx="5966419" cy="5981836"/>
+          </a:xfrm>
+          <a:prstGeom prst="rect">
+            <a:avLst/>
+          </a:prstGeom>
+          <a:ln w="12700"/>
         </p:spPr>
       </p:pic>
     </p:spTree>
@@ -11094,7 +11823,7 @@
       </p:grpSpPr>
       <p:sp>
         <p:nvSpPr>
-          <p:cNvPr id="292" name="Line"/>
+          <p:cNvPr id="291" name="Line"/>
           <p:cNvSpPr/>
           <p:nvPr/>
         </p:nvSpPr>
@@ -11132,7 +11861,7 @@
       </p:sp>
       <p:sp>
         <p:nvSpPr>
-          <p:cNvPr id="293" name="CNS  I  Faculty of Medicine, Health and Human Sciences  I  Department of Clinical Medicine"/>
+          <p:cNvPr id="292" name="CNS  I  Faculty of Medicine, Health and Human Sciences  I  Department of Clinical Medicine"/>
           <p:cNvSpPr txBox="1"/>
           <p:nvPr/>
         </p:nvSpPr>
@@ -11187,7 +11916,7 @@
       </p:sp>
       <p:sp>
         <p:nvSpPr>
-          <p:cNvPr id="294" name="Introduction"/>
+          <p:cNvPr id="293" name="Introduction"/>
           <p:cNvSpPr txBox="1"/>
           <p:nvPr>
             <p:ph type="title"/>
@@ -11215,7 +11944,7 @@
       </p:sp>
       <p:sp>
         <p:nvSpPr>
-          <p:cNvPr id="295" name="Slide Number"/>
+          <p:cNvPr id="294" name="Slide Number"/>
           <p:cNvSpPr txBox="1"/>
           <p:nvPr>
             <p:ph type="sldNum" sz="quarter" idx="2"/>
@@ -11246,7 +11975,7 @@
       </p:sp>
       <p:sp>
         <p:nvSpPr>
-          <p:cNvPr id="296" name="ScanMatch string substitution"/>
+          <p:cNvPr id="295" name="string substitution"/>
           <p:cNvSpPr txBox="1"/>
           <p:nvPr>
             <p:ph type="body" sz="quarter" idx="1"/>
@@ -11263,14 +11992,14 @@
           <a:p>
             <a:pPr/>
             <a:r>
-              <a:t>ScanMatch string substitution</a:t>
-            </a:r>
-          </a:p>
-        </p:txBody>
-      </p:sp>
-      <p:sp>
-        <p:nvSpPr>
-          <p:cNvPr id="297" name="The Levenshtein distance between two strings a, b:…"/>
+              <a:t>string substitution</a:t>
+            </a:r>
+          </a:p>
+        </p:txBody>
+      </p:sp>
+      <p:sp>
+        <p:nvSpPr>
+          <p:cNvPr id="296" name="The Levenshtein distance between two strings a, b:…"/>
           <p:cNvSpPr txBox="1"/>
           <p:nvPr>
             <p:ph type="body" idx="21"/>
@@ -11391,7 +12120,7 @@
       </p:sp>
       <p:pic>
         <p:nvPicPr>
-          <p:cNvPr id="298" name="Image" descr="Image"/>
+          <p:cNvPr id="297" name="Image" descr="Image"/>
           <p:cNvPicPr>
             <a:picLocks noChangeAspect="1"/>
           </p:cNvPicPr>
@@ -11409,6 +12138,35 @@
           <a:xfrm>
             <a:off x="18832960" y="789690"/>
             <a:ext cx="4267201" cy="1279232"/>
+          </a:xfrm>
+          <a:prstGeom prst="rect">
+            <a:avLst/>
+          </a:prstGeom>
+          <a:ln w="12700">
+            <a:miter lim="400000"/>
+          </a:ln>
+        </p:spPr>
+      </p:pic>
+      <p:pic>
+        <p:nvPicPr>
+          <p:cNvPr id="298" name="Screen Shot 2020-11-30 at 4.21.52 PM.png" descr="Screen Shot 2020-11-30 at 4.21.52 PM.png"/>
+          <p:cNvPicPr>
+            <a:picLocks noChangeAspect="1"/>
+          </p:cNvPicPr>
+          <p:nvPr/>
+        </p:nvPicPr>
+        <p:blipFill>
+          <a:blip r:embed="rId3">
+            <a:extLst/>
+          </a:blip>
+          <a:stretch>
+            <a:fillRect/>
+          </a:stretch>
+        </p:blipFill>
+        <p:spPr>
+          <a:xfrm>
+            <a:off x="1014030" y="8134549"/>
+            <a:ext cx="17175784" cy="4104804"/>
           </a:xfrm>
           <a:prstGeom prst="rect">
             <a:avLst/>
@@ -11767,7 +12525,62 @@
       </p:grpSpPr>
       <p:sp>
         <p:nvSpPr>
-          <p:cNvPr id="309" name="Line"/>
+          <p:cNvPr id="309" name="Temporal Binning using string substitution."/>
+          <p:cNvSpPr txBox="1"/>
+          <p:nvPr/>
+        </p:nvSpPr>
+        <p:spPr>
+          <a:xfrm>
+            <a:off x="1227669" y="3197785"/>
+            <a:ext cx="21864019" cy="8277238"/>
+          </a:xfrm>
+          <a:prstGeom prst="rect">
+            <a:avLst/>
+          </a:prstGeom>
+          <a:ln w="25400" cap="rnd"/>
+          <a:extLst>
+            <a:ext uri="{C572A759-6A51-4108-AA02-DFA0A04FC94B}">
+              <ma14:wrappingTextBoxFlag xmlns:ma14="http://schemas.microsoft.com/office/mac/drawingml/2011/main" val="1"/>
+            </a:ext>
+          </a:extLst>
+        </p:spPr>
+        <p:txBody>
+          <a:bodyPr lIns="101600" tIns="101600" rIns="101600" bIns="101600"/>
+          <a:lstStyle/>
+          <a:p>
+            <a:pPr algn="l" defTabSz="1219200">
+              <a:defRPr sz="5600">
+                <a:solidFill>
+                  <a:srgbClr val="000000"/>
+                </a:solidFill>
+                <a:latin typeface="Georgia"/>
+                <a:ea typeface="Georgia"/>
+                <a:cs typeface="Georgia"/>
+                <a:sym typeface="Georgia"/>
+              </a:defRPr>
+            </a:pPr>
+            <a:r>
+              <a:t>Temporal Binning using string substitution.</a:t>
+            </a:r>
+          </a:p>
+          <a:p>
+            <a:pPr algn="l" defTabSz="1219200">
+              <a:defRPr sz="5600">
+                <a:solidFill>
+                  <a:srgbClr val="000000"/>
+                </a:solidFill>
+                <a:latin typeface="Georgia"/>
+                <a:ea typeface="Georgia"/>
+                <a:cs typeface="Georgia"/>
+                <a:sym typeface="Georgia"/>
+              </a:defRPr>
+            </a:pPr>
+          </a:p>
+        </p:txBody>
+      </p:sp>
+      <p:sp>
+        <p:nvSpPr>
+          <p:cNvPr id="310" name="Line"/>
           <p:cNvSpPr/>
           <p:nvPr/>
         </p:nvSpPr>
@@ -11805,7 +12618,7 @@
       </p:sp>
       <p:sp>
         <p:nvSpPr>
-          <p:cNvPr id="310" name="CNS  I  Faculty of Medicine, Health and Human Sciences  I  Department of Clinical Medicine"/>
+          <p:cNvPr id="311" name="CNS  I  Faculty of Medicine, Health and Human Sciences  I  Department of Clinical Medicine"/>
           <p:cNvSpPr txBox="1"/>
           <p:nvPr/>
         </p:nvSpPr>
@@ -11860,7 +12673,7 @@
       </p:sp>
       <p:sp>
         <p:nvSpPr>
-          <p:cNvPr id="311" name="Introduction"/>
+          <p:cNvPr id="312" name="Introduction"/>
           <p:cNvSpPr txBox="1"/>
           <p:nvPr>
             <p:ph type="title"/>
@@ -11888,7 +12701,7 @@
       </p:sp>
       <p:sp>
         <p:nvSpPr>
-          <p:cNvPr id="312" name="Slide Number"/>
+          <p:cNvPr id="313" name="Slide Number"/>
           <p:cNvSpPr txBox="1"/>
           <p:nvPr>
             <p:ph type="sldNum" sz="quarter" idx="2"/>
@@ -11919,7 +12732,7 @@
       </p:sp>
       <p:sp>
         <p:nvSpPr>
-          <p:cNvPr id="313" name="ScanMatch string substitution"/>
+          <p:cNvPr id="314" name="ScanMatch string substitution"/>
           <p:cNvSpPr txBox="1"/>
           <p:nvPr>
             <p:ph type="body" sz="quarter" idx="1"/>
@@ -11943,7 +12756,7 @@
       </p:sp>
       <p:pic>
         <p:nvPicPr>
-          <p:cNvPr id="314" name="Screen Shot 2020-11-30 at 4.27.52 PM.png" descr="Screen Shot 2020-11-30 at 4.27.52 PM.png"/>
+          <p:cNvPr id="315" name="Screen Shot 2020-11-30 at 4.27.52 PM.png" descr="Screen Shot 2020-11-30 at 4.27.52 PM.png"/>
           <p:cNvPicPr>
             <a:picLocks noChangeAspect="1"/>
           </p:cNvPicPr>
@@ -11959,7 +12772,7 @@
         </p:blipFill>
         <p:spPr>
           <a:xfrm>
-            <a:off x="1079234" y="3649874"/>
+            <a:off x="1250417" y="5532288"/>
             <a:ext cx="13347701" cy="5168901"/>
           </a:xfrm>
           <a:prstGeom prst="rect">
@@ -11970,7 +12783,7 @@
       </p:pic>
       <p:pic>
         <p:nvPicPr>
-          <p:cNvPr id="315" name="Image" descr="Image"/>
+          <p:cNvPr id="316" name="Image" descr="Image"/>
           <p:cNvPicPr>
             <a:picLocks noChangeAspect="1"/>
           </p:cNvPicPr>
